--- a/portfolio/Linux_OS_System_2022_1_s6.pptx
+++ b/portfolio/Linux_OS_System_2022_1_s6.pptx
@@ -5,16 +5,23 @@
     <p:sldMasterId id="2147483648" r:id="rId1"/>
   </p:sldMasterIdLst>
   <p:notesMasterIdLst>
-    <p:notesMasterId r:id="rId6"/>
+    <p:notesMasterId r:id="rId13"/>
   </p:notesMasterIdLst>
   <p:handoutMasterIdLst>
-    <p:handoutMasterId r:id="rId7"/>
+    <p:handoutMasterId r:id="rId14"/>
   </p:handoutMasterIdLst>
   <p:sldIdLst>
     <p:sldId id="268" r:id="rId2"/>
     <p:sldId id="269" r:id="rId3"/>
-    <p:sldId id="273" r:id="rId4"/>
-    <p:sldId id="262" r:id="rId5"/>
+    <p:sldId id="282" r:id="rId4"/>
+    <p:sldId id="279" r:id="rId5"/>
+    <p:sldId id="280" r:id="rId6"/>
+    <p:sldId id="281" r:id="rId7"/>
+    <p:sldId id="283" r:id="rId8"/>
+    <p:sldId id="284" r:id="rId9"/>
+    <p:sldId id="285" r:id="rId10"/>
+    <p:sldId id="286" r:id="rId11"/>
+    <p:sldId id="262" r:id="rId12"/>
   </p:sldIdLst>
   <p:sldSz cx="9144000" cy="6858000" type="screen4x3"/>
   <p:notesSz cx="6858000" cy="9144000"/>
@@ -229,7 +236,7 @@
             <a:fld id="{1F80A561-A35E-4C07-B113-AEE55C239B70}" type="datetimeFigureOut">
               <a:rPr lang="ko-KR" altLang="en-US" smtClean="0"/>
               <a:pPr/>
-              <a:t>2022-05-07</a:t>
+              <a:t>2022-05-15</a:t>
             </a:fld>
             <a:endParaRPr lang="ko-KR" altLang="en-US"/>
           </a:p>
@@ -396,7 +403,7 @@
             <a:fld id="{FB545AC5-813F-4ED1-B011-8EA17CB93331}" type="datetimeFigureOut">
               <a:rPr lang="ko-KR" altLang="en-US" smtClean="0"/>
               <a:pPr/>
-              <a:t>2022-05-07</a:t>
+              <a:t>2022-05-15</a:t>
             </a:fld>
             <a:endParaRPr lang="ko-KR" altLang="en-US"/>
           </a:p>
@@ -935,7 +942,7 @@
             <a:fld id="{ED3D6733-6F27-4404-AB51-585418F146E5}" type="datetimeFigureOut">
               <a:rPr lang="ko-KR" altLang="en-US" smtClean="0"/>
               <a:pPr/>
-              <a:t>2022-05-07</a:t>
+              <a:t>2022-05-15</a:t>
             </a:fld>
             <a:endParaRPr lang="ko-KR" altLang="en-US"/>
           </a:p>
@@ -1347,7 +1354,7 @@
             <a:fld id="{ED3D6733-6F27-4404-AB51-585418F146E5}" type="datetimeFigureOut">
               <a:rPr lang="ko-KR" altLang="en-US" smtClean="0"/>
               <a:pPr/>
-              <a:t>2022-05-07</a:t>
+              <a:t>2022-05-15</a:t>
             </a:fld>
             <a:endParaRPr lang="ko-KR" altLang="en-US"/>
           </a:p>
@@ -1540,7 +1547,7 @@
             <a:fld id="{ED3D6733-6F27-4404-AB51-585418F146E5}" type="datetimeFigureOut">
               <a:rPr lang="ko-KR" altLang="en-US" smtClean="0"/>
               <a:pPr/>
-              <a:t>2022-05-07</a:t>
+              <a:t>2022-05-15</a:t>
             </a:fld>
             <a:endParaRPr lang="ko-KR" altLang="en-US"/>
           </a:p>
@@ -2017,6 +2024,299 @@
 </p:sld>
 </file>
 
+<file path=ppt/slides/slide10.xml><?xml version="1.0" encoding="utf-8"?>
+<p:sld xmlns:a="http://schemas.openxmlformats.org/drawingml/2006/main" xmlns:r="http://schemas.openxmlformats.org/officeDocument/2006/relationships" xmlns:p="http://schemas.openxmlformats.org/presentationml/2006/main">
+  <p:cSld>
+    <p:spTree>
+      <p:nvGrpSpPr>
+        <p:cNvPr id="1" name=""/>
+        <p:cNvGrpSpPr/>
+        <p:nvPr/>
+      </p:nvGrpSpPr>
+      <p:grpSpPr>
+        <a:xfrm>
+          <a:off x="0" y="0"/>
+          <a:ext cx="0" cy="0"/>
+          <a:chOff x="0" y="0"/>
+          <a:chExt cx="0" cy="0"/>
+        </a:xfrm>
+      </p:grpSpPr>
+      <p:sp>
+        <p:nvSpPr>
+          <p:cNvPr id="2" name="Title 1">
+            <a:extLst>
+              <a:ext uri="{FF2B5EF4-FFF2-40B4-BE49-F238E27FC236}">
+                <a16:creationId xmlns:a16="http://schemas.microsoft.com/office/drawing/2014/main" id="{3F97A1E5-C9F9-423E-8198-8C81F762A5D1}"/>
+              </a:ext>
+            </a:extLst>
+          </p:cNvPr>
+          <p:cNvSpPr>
+            <a:spLocks noGrp="1"/>
+          </p:cNvSpPr>
+          <p:nvPr>
+            <p:ph type="title"/>
+          </p:nvPr>
+        </p:nvSpPr>
+        <p:spPr/>
+        <p:txBody>
+          <a:bodyPr/>
+          <a:lstStyle/>
+          <a:p>
+            <a:r>
+              <a:rPr lang="en-US" altLang="ko-KR" dirty="0"/>
+              <a:t>6. </a:t>
+            </a:r>
+            <a:r>
+              <a:rPr lang="ko-KR" altLang="en-US" dirty="0"/>
+              <a:t>권한</a:t>
+            </a:r>
+            <a:r>
+              <a:rPr lang="en-US" altLang="ko-KR" dirty="0"/>
+              <a:t>(Permission)</a:t>
+            </a:r>
+            <a:endParaRPr lang="ko-KR" altLang="en-US" dirty="0"/>
+          </a:p>
+        </p:txBody>
+      </p:sp>
+      <p:sp>
+        <p:nvSpPr>
+          <p:cNvPr id="3" name="Text Placeholder 2">
+            <a:extLst>
+              <a:ext uri="{FF2B5EF4-FFF2-40B4-BE49-F238E27FC236}">
+                <a16:creationId xmlns:a16="http://schemas.microsoft.com/office/drawing/2014/main" id="{E49B50CA-A0E3-41BA-935E-07FDF21D578C}"/>
+              </a:ext>
+            </a:extLst>
+          </p:cNvPr>
+          <p:cNvSpPr>
+            <a:spLocks noGrp="1"/>
+          </p:cNvSpPr>
+          <p:nvPr>
+            <p:ph type="body" sz="quarter" idx="13"/>
+          </p:nvPr>
+        </p:nvSpPr>
+        <p:spPr>
+          <a:xfrm>
+            <a:off x="395536" y="1196752"/>
+            <a:ext cx="8352928" cy="4536504"/>
+          </a:xfrm>
+          <a:ln w="38100">
+            <a:solidFill>
+              <a:schemeClr val="accent2">
+                <a:lumMod val="75000"/>
+              </a:schemeClr>
+            </a:solidFill>
+          </a:ln>
+        </p:spPr>
+        <p:txBody>
+          <a:bodyPr/>
+          <a:lstStyle/>
+          <a:p>
+            <a:pPr>
+              <a:buFont typeface="Arial" panose="020B0604020202020204" pitchFamily="34" charset="0"/>
+              <a:buChar char="•"/>
+            </a:pPr>
+            <a:r>
+              <a:rPr lang="ko-KR" altLang="en-US" sz="2400" b="1" dirty="0">
+                <a:solidFill>
+                  <a:srgbClr val="FF0000"/>
+                </a:solidFill>
+              </a:rPr>
+              <a:t>권한 </a:t>
+            </a:r>
+            <a:r>
+              <a:rPr lang="en-US" altLang="ko-KR" sz="2400" b="1" dirty="0">
+                <a:solidFill>
+                  <a:srgbClr val="FF0000"/>
+                </a:solidFill>
+              </a:rPr>
+              <a:t>bit </a:t>
+            </a:r>
+            <a:r>
+              <a:rPr lang="ko-KR" altLang="en-US" sz="2400" b="1" dirty="0">
+                <a:solidFill>
+                  <a:srgbClr val="FF0000"/>
+                </a:solidFill>
+              </a:rPr>
+              <a:t>설정</a:t>
+            </a:r>
+            <a:endParaRPr lang="en-US" altLang="ko-KR" sz="2400" b="1" dirty="0">
+              <a:solidFill>
+                <a:srgbClr val="FF0000"/>
+              </a:solidFill>
+            </a:endParaRPr>
+          </a:p>
+          <a:p>
+            <a:pPr marL="800100" lvl="1" indent="-342900">
+              <a:buFont typeface="+mj-lt"/>
+              <a:buAutoNum type="arabicPeriod"/>
+            </a:pPr>
+            <a:r>
+              <a:rPr lang="en-US" altLang="ko-KR" sz="1700" dirty="0">
+                <a:solidFill>
+                  <a:schemeClr val="tx1"/>
+                </a:solidFill>
+              </a:rPr>
+              <a:t>8</a:t>
+            </a:r>
+            <a:r>
+              <a:rPr lang="ko-KR" altLang="en-US" sz="1700" dirty="0">
+                <a:solidFill>
+                  <a:schemeClr val="tx1"/>
+                </a:solidFill>
+              </a:rPr>
+              <a:t>진법</a:t>
+            </a:r>
+            <a:r>
+              <a:rPr lang="en-US" altLang="ko-KR" sz="1700" dirty="0">
+                <a:solidFill>
+                  <a:schemeClr val="tx1"/>
+                </a:solidFill>
+              </a:rPr>
+              <a:t>(Octal)</a:t>
+            </a:r>
+            <a:r>
+              <a:rPr lang="ko-KR" altLang="en-US" sz="1700" dirty="0">
+                <a:solidFill>
+                  <a:schemeClr val="tx1"/>
+                </a:solidFill>
+              </a:rPr>
+              <a:t> 이용</a:t>
+            </a:r>
+            <a:endParaRPr lang="en-US" altLang="ko-KR" sz="1700" dirty="0">
+              <a:solidFill>
+                <a:schemeClr val="tx1"/>
+              </a:solidFill>
+            </a:endParaRPr>
+          </a:p>
+          <a:p>
+            <a:pPr marL="800100" lvl="1" indent="-342900">
+              <a:buFont typeface="+mj-lt"/>
+              <a:buAutoNum type="arabicPeriod"/>
+            </a:pPr>
+            <a:r>
+              <a:rPr lang="en-US" altLang="ko-KR" sz="1700" dirty="0" err="1">
+                <a:solidFill>
+                  <a:schemeClr val="tx1"/>
+                </a:solidFill>
+              </a:rPr>
+              <a:t>rwx</a:t>
+            </a:r>
+            <a:r>
+              <a:rPr lang="en-US" altLang="ko-KR" sz="1700" dirty="0">
+                <a:solidFill>
+                  <a:schemeClr val="tx1"/>
+                </a:solidFill>
+              </a:rPr>
+              <a:t> +/-</a:t>
+            </a:r>
+            <a:r>
+              <a:rPr lang="ko-KR" altLang="en-US" sz="1700" dirty="0">
+                <a:solidFill>
+                  <a:schemeClr val="tx1"/>
+                </a:solidFill>
+              </a:rPr>
+              <a:t> 이용</a:t>
+            </a:r>
+            <a:endParaRPr lang="en-US" altLang="ko-KR" sz="1700" dirty="0">
+              <a:solidFill>
+                <a:schemeClr val="tx1"/>
+              </a:solidFill>
+            </a:endParaRPr>
+          </a:p>
+          <a:p>
+            <a:pPr marL="457200" indent="-457200">
+              <a:buFont typeface="+mj-lt"/>
+              <a:buAutoNum type="arabicPeriod"/>
+            </a:pPr>
+            <a:endParaRPr lang="en-US" altLang="ko-KR" sz="2000" dirty="0">
+              <a:solidFill>
+                <a:schemeClr val="tx1"/>
+              </a:solidFill>
+            </a:endParaRPr>
+          </a:p>
+        </p:txBody>
+      </p:sp>
+    </p:spTree>
+    <p:extLst>
+      <p:ext uri="{BB962C8B-B14F-4D97-AF65-F5344CB8AC3E}">
+        <p14:creationId xmlns:p14="http://schemas.microsoft.com/office/powerpoint/2010/main" val="1775298054"/>
+      </p:ext>
+    </p:extLst>
+  </p:cSld>
+  <p:clrMapOvr>
+    <a:masterClrMapping/>
+  </p:clrMapOvr>
+</p:sld>
+</file>
+
+<file path=ppt/slides/slide11.xml><?xml version="1.0" encoding="utf-8"?>
+<p:sld xmlns:a="http://schemas.openxmlformats.org/drawingml/2006/main" xmlns:r="http://schemas.openxmlformats.org/officeDocument/2006/relationships" xmlns:p="http://schemas.openxmlformats.org/presentationml/2006/main">
+  <p:cSld>
+    <p:spTree>
+      <p:nvGrpSpPr>
+        <p:cNvPr id="1" name=""/>
+        <p:cNvGrpSpPr/>
+        <p:nvPr/>
+      </p:nvGrpSpPr>
+      <p:grpSpPr>
+        <a:xfrm>
+          <a:off x="0" y="0"/>
+          <a:ext cx="0" cy="0"/>
+          <a:chOff x="0" y="0"/>
+          <a:chExt cx="0" cy="0"/>
+        </a:xfrm>
+      </p:grpSpPr>
+      <p:sp>
+        <p:nvSpPr>
+          <p:cNvPr id="6" name="제목 5"/>
+          <p:cNvSpPr>
+            <a:spLocks noGrp="1"/>
+          </p:cNvSpPr>
+          <p:nvPr>
+            <p:ph type="ctrTitle"/>
+          </p:nvPr>
+        </p:nvSpPr>
+        <p:spPr>
+          <a:xfrm>
+            <a:off x="1763688" y="2204864"/>
+            <a:ext cx="4320480" cy="1938992"/>
+          </a:xfrm>
+        </p:spPr>
+        <p:txBody>
+          <a:bodyPr/>
+          <a:lstStyle/>
+          <a:p>
+            <a:r>
+              <a:rPr lang="en-US" altLang="ko-KR" dirty="0"/>
+              <a:t>Thank </a:t>
+            </a:r>
+            <a:br>
+              <a:rPr lang="en-US" altLang="ko-KR" dirty="0"/>
+            </a:br>
+            <a:r>
+              <a:rPr lang="en-US" altLang="ko-KR" dirty="0">
+                <a:solidFill>
+                  <a:srgbClr val="FFC000"/>
+                </a:solidFill>
+              </a:rPr>
+              <a:t>You</a:t>
+            </a:r>
+            <a:endParaRPr lang="ko-KR" altLang="en-US" dirty="0">
+              <a:solidFill>
+                <a:srgbClr val="FFC000"/>
+              </a:solidFill>
+            </a:endParaRPr>
+          </a:p>
+        </p:txBody>
+      </p:sp>
+    </p:spTree>
+  </p:cSld>
+  <p:clrMapOvr>
+    <a:masterClrMapping/>
+  </p:clrMapOvr>
+</p:sld>
+</file>
+
 <file path=ppt/slides/slide2.xml><?xml version="1.0" encoding="utf-8"?>
 <p:sld xmlns:a="http://schemas.openxmlformats.org/drawingml/2006/main" xmlns:r="http://schemas.openxmlformats.org/officeDocument/2006/relationships" xmlns:p="http://schemas.openxmlformats.org/presentationml/2006/main">
   <p:cSld>
@@ -2062,14 +2362,14 @@
           <a:p>
             <a:r>
               <a:rPr lang="en-US" sz="4000" dirty="0"/>
-              <a:t>Session #5</a:t>
+              <a:t>Session #6</a:t>
             </a:r>
             <a:br>
               <a:rPr lang="en-US" sz="4000" dirty="0"/>
             </a:br>
             <a:r>
               <a:rPr lang="en-US" sz="2100" dirty="0"/>
-              <a:t>: Administrator User Command</a:t>
+              <a:t>: Administration</a:t>
             </a:r>
           </a:p>
         </p:txBody>
@@ -2126,8 +2426,8 @@
           <a:lstStyle/>
           <a:p>
             <a:r>
-              <a:rPr lang="en-US" altLang="ko-KR"/>
-              <a:t> </a:t>
+              <a:rPr lang="en-US" altLang="ko-KR" dirty="0"/>
+              <a:t>1. Shell</a:t>
             </a:r>
             <a:endParaRPr lang="ko-KR" altLang="en-US" dirty="0"/>
           </a:p>
@@ -2166,29 +2466,146 @@
           <a:bodyPr/>
           <a:lstStyle/>
           <a:p>
-            <a:pPr>
+            <a:pPr marL="457200" indent="-457200">
               <a:buFont typeface="Arial" panose="020B0604020202020204" pitchFamily="34" charset="0"/>
               <a:buChar char="•"/>
             </a:pPr>
-            <a:endParaRPr lang="en-US" altLang="ko-KR" dirty="0"/>
+            <a:r>
+              <a:rPr lang="en-US" altLang="ko-KR" sz="2000" dirty="0"/>
+              <a:t>Shell?</a:t>
+            </a:r>
           </a:p>
           <a:p>
             <a:pPr marL="0" indent="0"/>
-            <a:endParaRPr lang="en-US" altLang="ko-KR" dirty="0"/>
-          </a:p>
-          <a:p>
-            <a:pPr>
+            <a:r>
+              <a:rPr lang="en-US" altLang="ko-KR" sz="2000" dirty="0"/>
+              <a:t>: </a:t>
+            </a:r>
+            <a:r>
+              <a:rPr lang="ko-KR" altLang="en-US" sz="2000" dirty="0"/>
+              <a:t>운영체제 상에서 다양한 운영체제 기능과 서비스를 구현하는 인터페이시를 제공하는 </a:t>
+            </a:r>
+            <a:r>
+              <a:rPr lang="en-US" altLang="ko-KR" sz="2000" dirty="0"/>
+              <a:t>“</a:t>
+            </a:r>
+            <a:r>
+              <a:rPr lang="ko-KR" altLang="en-US" sz="2000" dirty="0"/>
+              <a:t>프로그램</a:t>
+            </a:r>
+            <a:r>
+              <a:rPr lang="en-US" altLang="ko-KR" sz="2000" dirty="0"/>
+              <a:t>“</a:t>
+            </a:r>
+          </a:p>
+          <a:p>
+            <a:pPr marL="0" indent="0"/>
+            <a:endParaRPr lang="en-US" altLang="ko-KR" sz="2000" dirty="0"/>
+          </a:p>
+          <a:p>
+            <a:pPr marL="285750" indent="-285750">
               <a:buFont typeface="Arial" panose="020B0604020202020204" pitchFamily="34" charset="0"/>
               <a:buChar char="•"/>
             </a:pPr>
-            <a:endParaRPr lang="en-US" altLang="ko-KR" dirty="0"/>
+            <a:r>
+              <a:rPr lang="ko-KR" altLang="en-US" sz="2000" dirty="0"/>
+              <a:t>종류</a:t>
+            </a:r>
+            <a:endParaRPr lang="en-US" altLang="ko-KR" sz="2000" dirty="0"/>
+          </a:p>
+          <a:p>
+            <a:pPr marL="685800" lvl="1">
+              <a:buFont typeface="Arial" panose="020B0604020202020204" pitchFamily="34" charset="0"/>
+              <a:buChar char="•"/>
+            </a:pPr>
+            <a:r>
+              <a:rPr lang="en-US" altLang="ko-KR" dirty="0"/>
+              <a:t>Window: Power Shell</a:t>
+            </a:r>
+          </a:p>
+          <a:p>
+            <a:pPr marL="685800" lvl="1">
+              <a:buFont typeface="Arial" panose="020B0604020202020204" pitchFamily="34" charset="0"/>
+              <a:buChar char="•"/>
+            </a:pPr>
+            <a:r>
+              <a:rPr lang="en-US" altLang="ko-KR" dirty="0"/>
+              <a:t>Linux</a:t>
+            </a:r>
+          </a:p>
+          <a:p>
+            <a:pPr marL="1085850" lvl="2">
+              <a:buFont typeface="Arial" panose="020B0604020202020204" pitchFamily="34" charset="0"/>
+              <a:buChar char="•"/>
+            </a:pPr>
+            <a:r>
+              <a:rPr lang="en-US" altLang="ko-KR" sz="1600" dirty="0" err="1"/>
+              <a:t>Bourne</a:t>
+            </a:r>
+            <a:r>
+              <a:rPr lang="en-US" altLang="ko-KR" sz="1600" dirty="0"/>
+              <a:t>-again Shell(Bash)</a:t>
+            </a:r>
+          </a:p>
+          <a:p>
+            <a:pPr marL="1085850" lvl="2">
+              <a:buFont typeface="Arial" panose="020B0604020202020204" pitchFamily="34" charset="0"/>
+              <a:buChar char="•"/>
+            </a:pPr>
+            <a:r>
+              <a:rPr lang="en-US" altLang="ko-KR" sz="1600" dirty="0"/>
+              <a:t>C Shell(</a:t>
+            </a:r>
+            <a:r>
+              <a:rPr lang="en-US" altLang="ko-KR" sz="1600" dirty="0" err="1"/>
+              <a:t>csh</a:t>
+            </a:r>
+            <a:r>
+              <a:rPr lang="en-US" altLang="ko-KR" sz="1600" dirty="0"/>
+              <a:t>) / TENEX</a:t>
+            </a:r>
+            <a:r>
+              <a:rPr lang="ko-KR" altLang="en-US" sz="1600" dirty="0"/>
+              <a:t> </a:t>
+            </a:r>
+            <a:r>
+              <a:rPr lang="en-US" altLang="ko-KR" sz="1600" dirty="0"/>
+              <a:t>C</a:t>
+            </a:r>
+            <a:r>
+              <a:rPr lang="ko-KR" altLang="en-US" sz="1600" dirty="0"/>
+              <a:t> </a:t>
+            </a:r>
+            <a:r>
+              <a:rPr lang="en-US" altLang="ko-KR" sz="1600" dirty="0"/>
+              <a:t>Shell(</a:t>
+            </a:r>
+            <a:r>
+              <a:rPr lang="en-US" altLang="ko-KR" sz="1600" dirty="0" err="1"/>
+              <a:t>tcsh</a:t>
+            </a:r>
+            <a:r>
+              <a:rPr lang="en-US" altLang="ko-KR" sz="1600" dirty="0"/>
+              <a:t>)</a:t>
+            </a:r>
+          </a:p>
+          <a:p>
+            <a:pPr marL="1085850" lvl="2">
+              <a:buFont typeface="Arial" panose="020B0604020202020204" pitchFamily="34" charset="0"/>
+              <a:buChar char="•"/>
+            </a:pPr>
+            <a:r>
+              <a:rPr lang="en-US" altLang="ko-KR" sz="1600" dirty="0" err="1"/>
+              <a:t>ksh</a:t>
+            </a:r>
+            <a:endParaRPr lang="en-US" altLang="ko-KR" sz="1600" dirty="0"/>
           </a:p>
         </p:txBody>
       </p:sp>
     </p:spTree>
     <p:extLst>
       <p:ext uri="{BB962C8B-B14F-4D97-AF65-F5344CB8AC3E}">
-        <p14:creationId xmlns:p14="http://schemas.microsoft.com/office/powerpoint/2010/main" val="526469123"/>
+        <p14:creationId xmlns:p14="http://schemas.microsoft.com/office/powerpoint/2010/main" val="4156991897"/>
       </p:ext>
     </p:extLst>
   </p:cSld>
@@ -2217,48 +2634,1685 @@
       </p:grpSpPr>
       <p:sp>
         <p:nvSpPr>
-          <p:cNvPr id="6" name="제목 5"/>
+          <p:cNvPr id="2" name="Title 1">
+            <a:extLst>
+              <a:ext uri="{FF2B5EF4-FFF2-40B4-BE49-F238E27FC236}">
+                <a16:creationId xmlns:a16="http://schemas.microsoft.com/office/drawing/2014/main" id="{3F97A1E5-C9F9-423E-8198-8C81F762A5D1}"/>
+              </a:ext>
+            </a:extLst>
+          </p:cNvPr>
           <p:cNvSpPr>
             <a:spLocks noGrp="1"/>
           </p:cNvSpPr>
           <p:nvPr>
-            <p:ph type="ctrTitle"/>
+            <p:ph type="title"/>
+          </p:nvPr>
+        </p:nvSpPr>
+        <p:spPr/>
+        <p:txBody>
+          <a:bodyPr/>
+          <a:lstStyle/>
+          <a:p>
+            <a:r>
+              <a:rPr lang="en-US" altLang="ko-KR" dirty="0"/>
+              <a:t>2. </a:t>
+            </a:r>
+            <a:r>
+              <a:rPr lang="ko-KR" altLang="en-US" dirty="0"/>
+              <a:t>유저 </a:t>
+            </a:r>
+            <a:r>
+              <a:rPr lang="en-US" altLang="ko-KR" dirty="0"/>
+              <a:t>Shell </a:t>
+            </a:r>
+            <a:r>
+              <a:rPr lang="ko-KR" altLang="en-US" dirty="0"/>
+              <a:t>의 설정과 수정</a:t>
+            </a:r>
+            <a:r>
+              <a:rPr lang="en-US" altLang="ko-KR" dirty="0"/>
+              <a:t>(1)</a:t>
+            </a:r>
+            <a:endParaRPr lang="ko-KR" altLang="en-US" dirty="0"/>
+          </a:p>
+        </p:txBody>
+      </p:sp>
+      <p:sp>
+        <p:nvSpPr>
+          <p:cNvPr id="3" name="Text Placeholder 2">
+            <a:extLst>
+              <a:ext uri="{FF2B5EF4-FFF2-40B4-BE49-F238E27FC236}">
+                <a16:creationId xmlns:a16="http://schemas.microsoft.com/office/drawing/2014/main" id="{E49B50CA-A0E3-41BA-935E-07FDF21D578C}"/>
+              </a:ext>
+            </a:extLst>
+          </p:cNvPr>
+          <p:cNvSpPr>
+            <a:spLocks noGrp="1"/>
+          </p:cNvSpPr>
+          <p:nvPr>
+            <p:ph type="body" sz="quarter" idx="13"/>
           </p:nvPr>
         </p:nvSpPr>
         <p:spPr>
           <a:xfrm>
-            <a:off x="1763688" y="2204864"/>
-            <a:ext cx="4320480" cy="1938992"/>
+            <a:off x="395536" y="1196752"/>
+            <a:ext cx="8352928" cy="4536504"/>
           </a:xfrm>
+          <a:ln w="38100">
+            <a:solidFill>
+              <a:schemeClr val="accent2">
+                <a:lumMod val="75000"/>
+              </a:schemeClr>
+            </a:solidFill>
+          </a:ln>
         </p:spPr>
         <p:txBody>
           <a:bodyPr/>
           <a:lstStyle/>
           <a:p>
+            <a:pPr marL="457200" indent="-457200">
+              <a:buFont typeface="+mj-lt"/>
+              <a:buAutoNum type="arabicPeriod"/>
+            </a:pPr>
+            <a:r>
+              <a:rPr lang="ko-KR" altLang="en-US" sz="2000" dirty="0"/>
+              <a:t>사용자 셸의 확인</a:t>
+            </a:r>
+            <a:endParaRPr lang="en-US" altLang="ko-KR" sz="2000" dirty="0"/>
+          </a:p>
+          <a:p>
+            <a:pPr marL="857250" lvl="1" indent="-457200">
+              <a:buFont typeface="Arial" panose="020B0604020202020204" pitchFamily="34" charset="0"/>
+              <a:buChar char="•"/>
+            </a:pPr>
+            <a:r>
+              <a:rPr lang="en-US" altLang="ko-KR" sz="1300" dirty="0"/>
+              <a:t>echo $SHELL</a:t>
+            </a:r>
+          </a:p>
+          <a:p>
+            <a:pPr marL="857250" lvl="1" indent="-457200">
+              <a:buFont typeface="Arial" panose="020B0604020202020204" pitchFamily="34" charset="0"/>
+              <a:buChar char="•"/>
+            </a:pPr>
+            <a:r>
+              <a:rPr lang="en-US" altLang="ko-KR" sz="1300" dirty="0"/>
+              <a:t>echo $0</a:t>
+            </a:r>
+          </a:p>
+          <a:p>
+            <a:pPr marL="400050" lvl="1" indent="0"/>
+            <a:endParaRPr lang="en-US" altLang="ko-KR" sz="1300" dirty="0"/>
+          </a:p>
+          <a:p>
+            <a:pPr marL="457200" indent="-457200">
+              <a:buFont typeface="+mj-lt"/>
+              <a:buAutoNum type="arabicPeriod" startAt="2"/>
+            </a:pPr>
+            <a:r>
+              <a:rPr lang="ko-KR" altLang="en-US" sz="2000" dirty="0"/>
+              <a:t>셸의 위치 확인</a:t>
+            </a:r>
+            <a:endParaRPr lang="en-US" altLang="ko-KR" sz="2000" dirty="0"/>
+          </a:p>
+          <a:p>
+            <a:pPr lvl="1">
+              <a:buFont typeface="Arial" panose="020B0604020202020204" pitchFamily="34" charset="0"/>
+              <a:buChar char="•"/>
+            </a:pPr>
+            <a:r>
+              <a:rPr lang="en-US" altLang="ko-KR" sz="1300" dirty="0"/>
+              <a:t>which {</a:t>
+            </a:r>
+            <a:r>
+              <a:rPr lang="en-US" altLang="ko-KR" sz="1300" dirty="0" err="1"/>
+              <a:t>shell_name</a:t>
+            </a:r>
+            <a:r>
+              <a:rPr lang="en-US" altLang="ko-KR" sz="1300" dirty="0"/>
+              <a:t>}</a:t>
+            </a:r>
+          </a:p>
+          <a:p>
+            <a:pPr marL="457200" lvl="1" indent="0"/>
+            <a:endParaRPr lang="en-US" altLang="ko-KR" sz="1300" dirty="0"/>
+          </a:p>
+          <a:p>
+            <a:pPr marL="0" indent="0"/>
             <a:r>
               <a:rPr lang="en-US" altLang="ko-KR" dirty="0"/>
-              <a:t>Thank </a:t>
-            </a:r>
-            <a:br>
+              <a:t>3. </a:t>
+            </a:r>
+            <a:r>
+              <a:rPr lang="en-US" altLang="ko-KR" sz="2000" dirty="0"/>
+              <a:t>(</a:t>
+            </a:r>
+            <a:r>
+              <a:rPr lang="ko-KR" altLang="en-US" sz="2000" dirty="0"/>
+              <a:t>터미널 내에서</a:t>
+            </a:r>
+            <a:r>
+              <a:rPr lang="en-US" altLang="ko-KR" sz="2000" dirty="0"/>
+              <a:t>) </a:t>
+            </a:r>
+            <a:r>
+              <a:rPr lang="ko-KR" altLang="en-US" sz="2000" dirty="0"/>
+              <a:t>사용자 전환</a:t>
+            </a:r>
+            <a:endParaRPr lang="en-US" altLang="ko-KR" sz="2000" dirty="0"/>
+          </a:p>
+          <a:p>
+            <a:pPr lvl="1">
+              <a:buFont typeface="Arial" panose="020B0604020202020204" pitchFamily="34" charset="0"/>
+              <a:buChar char="•"/>
+            </a:pPr>
+            <a:r>
+              <a:rPr lang="en-US" altLang="ko-KR" sz="1300" dirty="0" err="1"/>
+              <a:t>su</a:t>
+            </a:r>
+            <a:r>
+              <a:rPr lang="en-US" altLang="ko-KR" sz="1300" dirty="0"/>
+              <a:t> {</a:t>
+            </a:r>
+            <a:r>
+              <a:rPr lang="ko-KR" altLang="en-US" sz="1300" dirty="0"/>
+              <a:t>사용자 명</a:t>
+            </a:r>
+            <a:r>
+              <a:rPr lang="en-US" altLang="ko-KR" sz="1300" dirty="0"/>
+              <a:t>}</a:t>
+            </a:r>
+          </a:p>
+          <a:p>
+            <a:pPr marL="457200" lvl="1" indent="0"/>
+            <a:endParaRPr lang="en-US" altLang="ko-KR" sz="1300" dirty="0"/>
+          </a:p>
+          <a:p>
+            <a:pPr marL="0" indent="0"/>
+            <a:r>
               <a:rPr lang="en-US" altLang="ko-KR" dirty="0"/>
-            </a:br>
-            <a:r>
-              <a:rPr lang="en-US" altLang="ko-KR" dirty="0">
-                <a:solidFill>
-                  <a:srgbClr val="FFC000"/>
-                </a:solidFill>
-              </a:rPr>
-              <a:t>You</a:t>
-            </a:r>
-            <a:endParaRPr lang="ko-KR" altLang="en-US" dirty="0">
-              <a:solidFill>
-                <a:srgbClr val="FFC000"/>
-              </a:solidFill>
-            </a:endParaRPr>
+              <a:t>4. </a:t>
+            </a:r>
+            <a:r>
+              <a:rPr lang="ko-KR" altLang="en-US" sz="2000" dirty="0"/>
+              <a:t>로그인 사용자로 복귀</a:t>
+            </a:r>
+            <a:endParaRPr lang="en-US" altLang="ko-KR" sz="2000" dirty="0"/>
+          </a:p>
+          <a:p>
+            <a:pPr lvl="1">
+              <a:buFont typeface="Arial" panose="020B0604020202020204" pitchFamily="34" charset="0"/>
+              <a:buChar char="•"/>
+            </a:pPr>
+            <a:r>
+              <a:rPr lang="en-US" altLang="ko-KR" sz="1300" dirty="0"/>
+              <a:t>exit</a:t>
+            </a:r>
           </a:p>
         </p:txBody>
       </p:sp>
     </p:spTree>
+    <p:extLst>
+      <p:ext uri="{BB962C8B-B14F-4D97-AF65-F5344CB8AC3E}">
+        <p14:creationId xmlns:p14="http://schemas.microsoft.com/office/powerpoint/2010/main" val="948320878"/>
+      </p:ext>
+    </p:extLst>
+  </p:cSld>
+  <p:clrMapOvr>
+    <a:masterClrMapping/>
+  </p:clrMapOvr>
+</p:sld>
+</file>
+
+<file path=ppt/slides/slide5.xml><?xml version="1.0" encoding="utf-8"?>
+<p:sld xmlns:a="http://schemas.openxmlformats.org/drawingml/2006/main" xmlns:r="http://schemas.openxmlformats.org/officeDocument/2006/relationships" xmlns:p="http://schemas.openxmlformats.org/presentationml/2006/main">
+  <p:cSld>
+    <p:spTree>
+      <p:nvGrpSpPr>
+        <p:cNvPr id="1" name=""/>
+        <p:cNvGrpSpPr/>
+        <p:nvPr/>
+      </p:nvGrpSpPr>
+      <p:grpSpPr>
+        <a:xfrm>
+          <a:off x="0" y="0"/>
+          <a:ext cx="0" cy="0"/>
+          <a:chOff x="0" y="0"/>
+          <a:chExt cx="0" cy="0"/>
+        </a:xfrm>
+      </p:grpSpPr>
+      <p:sp>
+        <p:nvSpPr>
+          <p:cNvPr id="2" name="Title 1">
+            <a:extLst>
+              <a:ext uri="{FF2B5EF4-FFF2-40B4-BE49-F238E27FC236}">
+                <a16:creationId xmlns:a16="http://schemas.microsoft.com/office/drawing/2014/main" id="{3F97A1E5-C9F9-423E-8198-8C81F762A5D1}"/>
+              </a:ext>
+            </a:extLst>
+          </p:cNvPr>
+          <p:cNvSpPr>
+            <a:spLocks noGrp="1"/>
+          </p:cNvSpPr>
+          <p:nvPr>
+            <p:ph type="title"/>
+          </p:nvPr>
+        </p:nvSpPr>
+        <p:spPr/>
+        <p:txBody>
+          <a:bodyPr/>
+          <a:lstStyle/>
+          <a:p>
+            <a:r>
+              <a:rPr lang="en-US" altLang="ko-KR" dirty="0"/>
+              <a:t>2. </a:t>
+            </a:r>
+            <a:r>
+              <a:rPr lang="ko-KR" altLang="en-US" dirty="0"/>
+              <a:t>유저 </a:t>
+            </a:r>
+            <a:r>
+              <a:rPr lang="en-US" altLang="ko-KR" dirty="0"/>
+              <a:t>Shell </a:t>
+            </a:r>
+            <a:r>
+              <a:rPr lang="ko-KR" altLang="en-US" dirty="0"/>
+              <a:t>의 설정과 수정</a:t>
+            </a:r>
+            <a:r>
+              <a:rPr lang="en-US" altLang="ko-KR" dirty="0"/>
+              <a:t>(2)</a:t>
+            </a:r>
+            <a:endParaRPr lang="ko-KR" altLang="en-US" dirty="0"/>
+          </a:p>
+        </p:txBody>
+      </p:sp>
+      <p:sp>
+        <p:nvSpPr>
+          <p:cNvPr id="3" name="Text Placeholder 2">
+            <a:extLst>
+              <a:ext uri="{FF2B5EF4-FFF2-40B4-BE49-F238E27FC236}">
+                <a16:creationId xmlns:a16="http://schemas.microsoft.com/office/drawing/2014/main" id="{E49B50CA-A0E3-41BA-935E-07FDF21D578C}"/>
+              </a:ext>
+            </a:extLst>
+          </p:cNvPr>
+          <p:cNvSpPr>
+            <a:spLocks noGrp="1"/>
+          </p:cNvSpPr>
+          <p:nvPr>
+            <p:ph type="body" sz="quarter" idx="13"/>
+          </p:nvPr>
+        </p:nvSpPr>
+        <p:spPr>
+          <a:xfrm>
+            <a:off x="395536" y="1196752"/>
+            <a:ext cx="8352928" cy="4536504"/>
+          </a:xfrm>
+          <a:ln w="38100">
+            <a:solidFill>
+              <a:schemeClr val="accent2">
+                <a:lumMod val="75000"/>
+              </a:schemeClr>
+            </a:solidFill>
+          </a:ln>
+        </p:spPr>
+        <p:txBody>
+          <a:bodyPr/>
+          <a:lstStyle/>
+          <a:p>
+            <a:pPr marL="457200" indent="-457200">
+              <a:buFont typeface="+mj-lt"/>
+              <a:buAutoNum type="arabicPeriod"/>
+            </a:pPr>
+            <a:r>
+              <a:rPr lang="ko-KR" altLang="en-US" sz="2000" dirty="0"/>
+              <a:t>계정 생성시 사용자 셸 지정</a:t>
+            </a:r>
+            <a:endParaRPr lang="en-US" altLang="ko-KR" sz="2000" dirty="0"/>
+          </a:p>
+          <a:p>
+            <a:pPr lvl="1">
+              <a:buFont typeface="Arial" panose="020B0604020202020204" pitchFamily="34" charset="0"/>
+              <a:buChar char="•"/>
+            </a:pPr>
+            <a:r>
+              <a:rPr lang="en-US" altLang="ko-KR" sz="1300" dirty="0"/>
+              <a:t>(</a:t>
+            </a:r>
+            <a:r>
+              <a:rPr lang="en-US" altLang="ko-KR" sz="1300" dirty="0" err="1"/>
+              <a:t>sudo</a:t>
+            </a:r>
+            <a:r>
+              <a:rPr lang="en-US" altLang="ko-KR" sz="1300" dirty="0"/>
+              <a:t>) </a:t>
+            </a:r>
+            <a:r>
+              <a:rPr lang="en-US" altLang="ko-KR" sz="1300" dirty="0" err="1"/>
+              <a:t>useradd</a:t>
+            </a:r>
+            <a:r>
+              <a:rPr lang="en-US" altLang="ko-KR" sz="1300" dirty="0"/>
+              <a:t> –s {</a:t>
+            </a:r>
+            <a:r>
+              <a:rPr lang="en-US" altLang="ko-KR" sz="1300" dirty="0" err="1"/>
+              <a:t>shell_path</a:t>
+            </a:r>
+            <a:r>
+              <a:rPr lang="en-US" altLang="ko-KR" sz="1300" dirty="0"/>
+              <a:t>}</a:t>
+            </a:r>
+          </a:p>
+          <a:p>
+            <a:pPr marL="0" indent="0"/>
+            <a:endParaRPr lang="en-US" altLang="ko-KR" sz="2000" dirty="0"/>
+          </a:p>
+          <a:p>
+            <a:pPr marL="457200" indent="-457200">
+              <a:buFont typeface="+mj-lt"/>
+              <a:buAutoNum type="arabicPeriod" startAt="2"/>
+            </a:pPr>
+            <a:r>
+              <a:rPr lang="ko-KR" altLang="en-US" sz="2000" dirty="0"/>
+              <a:t>계정 생성 후 사용자 로그인 셸 변경</a:t>
+            </a:r>
+            <a:r>
+              <a:rPr lang="en-US" altLang="ko-KR" sz="2000" dirty="0"/>
+              <a:t>(</a:t>
+            </a:r>
+            <a:r>
+              <a:rPr lang="ko-KR" altLang="en-US" sz="2000" dirty="0"/>
+              <a:t>지정</a:t>
+            </a:r>
+            <a:r>
+              <a:rPr lang="en-US" altLang="ko-KR" sz="2000" dirty="0"/>
+              <a:t>)</a:t>
+            </a:r>
+          </a:p>
+          <a:p>
+            <a:pPr lvl="1" indent="-342900">
+              <a:buFont typeface="Arial" panose="020B0604020202020204" pitchFamily="34" charset="0"/>
+              <a:buChar char="•"/>
+            </a:pPr>
+            <a:r>
+              <a:rPr lang="en-US" altLang="ko-KR" sz="1300" dirty="0" err="1"/>
+              <a:t>chsh</a:t>
+            </a:r>
+            <a:r>
+              <a:rPr lang="ko-KR" altLang="en-US" sz="1300" dirty="0"/>
+              <a:t> </a:t>
+            </a:r>
+            <a:r>
+              <a:rPr lang="en-US" altLang="ko-KR" sz="1300" dirty="0"/>
+              <a:t>–s</a:t>
+            </a:r>
+            <a:r>
+              <a:rPr lang="ko-KR" altLang="en-US" sz="1300" dirty="0"/>
+              <a:t> </a:t>
+            </a:r>
+            <a:r>
+              <a:rPr lang="en-US" altLang="ko-KR" sz="1300" dirty="0"/>
+              <a:t>/bin/{</a:t>
+            </a:r>
+            <a:r>
+              <a:rPr lang="en-US" altLang="ko-KR" sz="1300" dirty="0" err="1"/>
+              <a:t>shell_name</a:t>
+            </a:r>
+            <a:r>
+              <a:rPr lang="en-US" altLang="ko-KR" sz="1300" dirty="0"/>
+              <a:t>} + </a:t>
+            </a:r>
+            <a:r>
+              <a:rPr lang="ko-KR" altLang="en-US" sz="1300" dirty="0"/>
+              <a:t>패스워드 입력</a:t>
+            </a:r>
+            <a:endParaRPr lang="en-US" altLang="ko-KR" sz="1300" dirty="0"/>
+          </a:p>
+          <a:p>
+            <a:pPr lvl="1" indent="-342900">
+              <a:buFont typeface="Arial" panose="020B0604020202020204" pitchFamily="34" charset="0"/>
+              <a:buChar char="•"/>
+            </a:pPr>
+            <a:r>
+              <a:rPr lang="en-US" altLang="ko-KR" sz="1300" dirty="0" err="1"/>
+              <a:t>Chsh</a:t>
+            </a:r>
+            <a:r>
+              <a:rPr lang="en-US" altLang="ko-KR" sz="1300" dirty="0"/>
+              <a:t>:</a:t>
+            </a:r>
+            <a:r>
+              <a:rPr lang="ko-KR" altLang="en-US" sz="1300" dirty="0"/>
+              <a:t> </a:t>
+            </a:r>
+            <a:r>
+              <a:rPr lang="en-US" altLang="ko-KR" sz="1300" dirty="0"/>
+              <a:t>change</a:t>
+            </a:r>
+            <a:r>
+              <a:rPr lang="ko-KR" altLang="en-US" sz="1300" dirty="0"/>
+              <a:t> </a:t>
+            </a:r>
+            <a:r>
+              <a:rPr lang="en-US" altLang="ko-KR" sz="1300" dirty="0"/>
+              <a:t>user login shell</a:t>
+            </a:r>
+          </a:p>
+          <a:p>
+            <a:pPr marL="457200" indent="-457200">
+              <a:buFont typeface="+mj-lt"/>
+              <a:buAutoNum type="arabicPeriod" startAt="2"/>
+            </a:pPr>
+            <a:r>
+              <a:rPr lang="ko-KR" altLang="en-US" sz="2000" dirty="0"/>
+              <a:t>로그인 후 사용자 사용 셸 변경</a:t>
+            </a:r>
+            <a:endParaRPr lang="en-US" altLang="ko-KR" sz="2000" dirty="0"/>
+          </a:p>
+          <a:p>
+            <a:pPr marL="857250" lvl="1" indent="-457200">
+              <a:buFont typeface="Arial" panose="020B0604020202020204" pitchFamily="34" charset="0"/>
+              <a:buChar char="•"/>
+            </a:pPr>
+            <a:r>
+              <a:rPr lang="ko-KR" altLang="en-US" sz="1300" dirty="0"/>
+              <a:t>사용하고자하는 </a:t>
+            </a:r>
+            <a:r>
+              <a:rPr lang="en-US" altLang="ko-KR" sz="1300" dirty="0"/>
+              <a:t>Shell</a:t>
+            </a:r>
+            <a:r>
+              <a:rPr lang="ko-KR" altLang="en-US" sz="1300" dirty="0"/>
+              <a:t>의 이름을 입력</a:t>
+            </a:r>
+            <a:r>
+              <a:rPr lang="en-US" altLang="ko-KR" sz="1300" dirty="0"/>
+              <a:t>(e.g. </a:t>
+            </a:r>
+            <a:r>
+              <a:rPr lang="en-US" altLang="ko-KR" sz="1300" dirty="0" err="1"/>
+              <a:t>csh</a:t>
+            </a:r>
+            <a:r>
+              <a:rPr lang="en-US" altLang="ko-KR" sz="1300" dirty="0"/>
+              <a:t>)</a:t>
+            </a:r>
+          </a:p>
+          <a:p>
+            <a:pPr marL="400050" lvl="1" indent="0"/>
+            <a:endParaRPr lang="en-US" altLang="ko-KR" sz="1300" dirty="0"/>
+          </a:p>
+          <a:p>
+            <a:pPr marL="457200" indent="-457200">
+              <a:buFont typeface="+mj-lt"/>
+              <a:buAutoNum type="arabicPeriod" startAt="2"/>
+            </a:pPr>
+            <a:r>
+              <a:rPr lang="ko-KR" altLang="en-US" sz="2000" dirty="0"/>
+              <a:t>관리자가 사용자의 로그인 셸 변경</a:t>
+            </a:r>
+            <a:endParaRPr lang="en-US" altLang="ko-KR" sz="2000" dirty="0"/>
+          </a:p>
+          <a:p>
+            <a:pPr marL="857250" lvl="1" indent="-457200">
+              <a:buFont typeface="+mj-lt"/>
+              <a:buAutoNum type="arabicPeriod"/>
+            </a:pPr>
+            <a:r>
+              <a:rPr lang="en-US" altLang="ko-KR" sz="1300" dirty="0" err="1"/>
+              <a:t>Usermod</a:t>
+            </a:r>
+            <a:r>
+              <a:rPr lang="en-US" altLang="ko-KR" sz="1300" dirty="0"/>
+              <a:t> {</a:t>
+            </a:r>
+            <a:r>
+              <a:rPr lang="en-US" altLang="ko-KR" sz="1300" dirty="0" err="1"/>
+              <a:t>User_name</a:t>
+            </a:r>
+            <a:r>
+              <a:rPr lang="en-US" altLang="ko-KR" sz="1300" dirty="0"/>
+              <a:t>} –s {</a:t>
+            </a:r>
+            <a:r>
+              <a:rPr lang="en-US" altLang="ko-KR" sz="1300" dirty="0" err="1"/>
+              <a:t>shell_path</a:t>
+            </a:r>
+            <a:r>
+              <a:rPr lang="en-US" altLang="ko-KR" sz="1300" dirty="0"/>
+              <a:t>}</a:t>
+            </a:r>
+          </a:p>
+          <a:p>
+            <a:pPr marL="857250" lvl="1" indent="-457200">
+              <a:buFont typeface="+mj-lt"/>
+              <a:buAutoNum type="arabicPeriod"/>
+            </a:pPr>
+            <a:r>
+              <a:rPr lang="en-US" altLang="ko-KR" sz="1300" dirty="0"/>
+              <a:t>/</a:t>
+            </a:r>
+            <a:r>
+              <a:rPr lang="en-US" altLang="ko-KR" sz="1300" dirty="0" err="1"/>
+              <a:t>etc</a:t>
+            </a:r>
+            <a:r>
+              <a:rPr lang="en-US" altLang="ko-KR" sz="1300" dirty="0"/>
+              <a:t>/passwd</a:t>
+            </a:r>
+            <a:r>
+              <a:rPr lang="ko-KR" altLang="en-US" sz="1300" dirty="0"/>
+              <a:t>에서 수정</a:t>
+            </a:r>
+            <a:endParaRPr lang="en-US" altLang="ko-KR" sz="1300" dirty="0"/>
+          </a:p>
+        </p:txBody>
+      </p:sp>
+    </p:spTree>
+    <p:extLst>
+      <p:ext uri="{BB962C8B-B14F-4D97-AF65-F5344CB8AC3E}">
+        <p14:creationId xmlns:p14="http://schemas.microsoft.com/office/powerpoint/2010/main" val="2373598677"/>
+      </p:ext>
+    </p:extLst>
+  </p:cSld>
+  <p:clrMapOvr>
+    <a:masterClrMapping/>
+  </p:clrMapOvr>
+</p:sld>
+</file>
+
+<file path=ppt/slides/slide6.xml><?xml version="1.0" encoding="utf-8"?>
+<p:sld xmlns:a="http://schemas.openxmlformats.org/drawingml/2006/main" xmlns:r="http://schemas.openxmlformats.org/officeDocument/2006/relationships" xmlns:p="http://schemas.openxmlformats.org/presentationml/2006/main">
+  <p:cSld>
+    <p:spTree>
+      <p:nvGrpSpPr>
+        <p:cNvPr id="1" name=""/>
+        <p:cNvGrpSpPr/>
+        <p:nvPr/>
+      </p:nvGrpSpPr>
+      <p:grpSpPr>
+        <a:xfrm>
+          <a:off x="0" y="0"/>
+          <a:ext cx="0" cy="0"/>
+          <a:chOff x="0" y="0"/>
+          <a:chExt cx="0" cy="0"/>
+        </a:xfrm>
+      </p:grpSpPr>
+      <p:sp>
+        <p:nvSpPr>
+          <p:cNvPr id="2" name="Title 1">
+            <a:extLst>
+              <a:ext uri="{FF2B5EF4-FFF2-40B4-BE49-F238E27FC236}">
+                <a16:creationId xmlns:a16="http://schemas.microsoft.com/office/drawing/2014/main" id="{3F97A1E5-C9F9-423E-8198-8C81F762A5D1}"/>
+              </a:ext>
+            </a:extLst>
+          </p:cNvPr>
+          <p:cNvSpPr>
+            <a:spLocks noGrp="1"/>
+          </p:cNvSpPr>
+          <p:nvPr>
+            <p:ph type="title"/>
+          </p:nvPr>
+        </p:nvSpPr>
+        <p:spPr/>
+        <p:txBody>
+          <a:bodyPr/>
+          <a:lstStyle/>
+          <a:p>
+            <a:r>
+              <a:rPr lang="en-US" altLang="ko-KR" dirty="0"/>
+              <a:t>3. Shell </a:t>
+            </a:r>
+            <a:r>
+              <a:rPr lang="ko-KR" altLang="en-US" dirty="0"/>
+              <a:t>설정파일</a:t>
+            </a:r>
+          </a:p>
+        </p:txBody>
+      </p:sp>
+      <p:sp>
+        <p:nvSpPr>
+          <p:cNvPr id="3" name="Text Placeholder 2">
+            <a:extLst>
+              <a:ext uri="{FF2B5EF4-FFF2-40B4-BE49-F238E27FC236}">
+                <a16:creationId xmlns:a16="http://schemas.microsoft.com/office/drawing/2014/main" id="{E49B50CA-A0E3-41BA-935E-07FDF21D578C}"/>
+              </a:ext>
+            </a:extLst>
+          </p:cNvPr>
+          <p:cNvSpPr>
+            <a:spLocks noGrp="1"/>
+          </p:cNvSpPr>
+          <p:nvPr>
+            <p:ph type="body" sz="quarter" idx="13"/>
+          </p:nvPr>
+        </p:nvSpPr>
+        <p:spPr>
+          <a:xfrm>
+            <a:off x="395536" y="1196752"/>
+            <a:ext cx="8352928" cy="4536504"/>
+          </a:xfrm>
+          <a:ln w="38100">
+            <a:solidFill>
+              <a:schemeClr val="accent2">
+                <a:lumMod val="75000"/>
+              </a:schemeClr>
+            </a:solidFill>
+          </a:ln>
+        </p:spPr>
+        <p:txBody>
+          <a:bodyPr/>
+          <a:lstStyle/>
+          <a:p>
+            <a:pPr marL="457200" indent="-457200">
+              <a:buFont typeface="+mj-lt"/>
+              <a:buAutoNum type="arabicPeriod"/>
+            </a:pPr>
+            <a:r>
+              <a:rPr lang="en-US" altLang="ko-KR" sz="2000" dirty="0"/>
+              <a:t>Bash</a:t>
+            </a:r>
+          </a:p>
+          <a:p>
+            <a:pPr marL="857250" lvl="1" indent="-457200">
+              <a:buFont typeface="Arial" panose="020B0604020202020204" pitchFamily="34" charset="0"/>
+              <a:buChar char="•"/>
+            </a:pPr>
+            <a:r>
+              <a:rPr lang="en-US" altLang="ko-KR" sz="1300" dirty="0"/>
+              <a:t>{</a:t>
+            </a:r>
+            <a:r>
+              <a:rPr lang="en-US" altLang="ko-KR" sz="1300" dirty="0" err="1"/>
+              <a:t>file_name</a:t>
+            </a:r>
+            <a:r>
+              <a:rPr lang="en-US" altLang="ko-KR" sz="1300" dirty="0"/>
+              <a:t>}.</a:t>
+            </a:r>
+            <a:r>
+              <a:rPr lang="en-US" altLang="ko-KR" sz="1300" dirty="0" err="1"/>
+              <a:t>bashrc</a:t>
+            </a:r>
+            <a:r>
+              <a:rPr lang="en-US" altLang="ko-KR" sz="1300" dirty="0"/>
+              <a:t>: source </a:t>
+            </a:r>
+            <a:r>
+              <a:rPr lang="ko-KR" altLang="en-US" sz="1300" dirty="0"/>
+              <a:t>과정 필요</a:t>
+            </a:r>
+            <a:endParaRPr lang="en-US" altLang="ko-KR" sz="1300" dirty="0"/>
+          </a:p>
+          <a:p>
+            <a:pPr marL="857250" lvl="1" indent="-457200">
+              <a:buFont typeface="Arial" panose="020B0604020202020204" pitchFamily="34" charset="0"/>
+              <a:buChar char="•"/>
+            </a:pPr>
+            <a:r>
+              <a:rPr lang="en-US" altLang="ko-KR" sz="1300" dirty="0"/>
+              <a:t>.</a:t>
+            </a:r>
+            <a:r>
+              <a:rPr lang="en-US" altLang="ko-KR" sz="1300" dirty="0" err="1"/>
+              <a:t>bashrc</a:t>
+            </a:r>
+            <a:r>
+              <a:rPr lang="en-US" altLang="ko-KR" sz="1300" dirty="0"/>
+              <a:t>: </a:t>
+            </a:r>
+            <a:r>
+              <a:rPr lang="ko-KR" altLang="en-US" sz="1300" dirty="0"/>
+              <a:t>이미 로그인 한 상태에서 새 터미널 창을 열 때마다 실행</a:t>
+            </a:r>
+            <a:endParaRPr lang="en-US" altLang="ko-KR" sz="1300" dirty="0"/>
+          </a:p>
+          <a:p>
+            <a:pPr marL="857250" lvl="1" indent="-457200">
+              <a:buFont typeface="Arial" panose="020B0604020202020204" pitchFamily="34" charset="0"/>
+              <a:buChar char="•"/>
+            </a:pPr>
+            <a:r>
+              <a:rPr lang="en-US" altLang="ko-KR" sz="1300" dirty="0"/>
+              <a:t>.</a:t>
+            </a:r>
+            <a:r>
+              <a:rPr lang="en-US" altLang="ko-KR" sz="1300" dirty="0" err="1"/>
+              <a:t>bash_profile</a:t>
+            </a:r>
+            <a:r>
+              <a:rPr lang="en-US" altLang="ko-KR" sz="1300" dirty="0"/>
+              <a:t>: </a:t>
+            </a:r>
+            <a:r>
+              <a:rPr lang="ko-KR" altLang="en-US" sz="1300" dirty="0"/>
+              <a:t>시스템에 로그인 할 때마다 실행</a:t>
+            </a:r>
+            <a:endParaRPr lang="en-US" altLang="ko-KR" sz="1300" dirty="0"/>
+          </a:p>
+          <a:p>
+            <a:pPr marL="457200" indent="-457200">
+              <a:buFont typeface="+mj-lt"/>
+              <a:buAutoNum type="arabicPeriod"/>
+            </a:pPr>
+            <a:endParaRPr lang="en-US" altLang="ko-KR" sz="2000" dirty="0"/>
+          </a:p>
+          <a:p>
+            <a:pPr marL="457200" indent="-457200">
+              <a:buFont typeface="+mj-lt"/>
+              <a:buAutoNum type="arabicPeriod"/>
+            </a:pPr>
+            <a:r>
+              <a:rPr lang="en-US" altLang="ko-KR" sz="2000" dirty="0"/>
+              <a:t>C-Shell/TENEX-Shell</a:t>
+            </a:r>
+          </a:p>
+          <a:p>
+            <a:pPr marL="857250" lvl="1" indent="-457200">
+              <a:buFont typeface="Arial" panose="020B0604020202020204" pitchFamily="34" charset="0"/>
+              <a:buChar char="•"/>
+            </a:pPr>
+            <a:r>
+              <a:rPr lang="en-US" altLang="ko-KR" sz="1300" dirty="0"/>
+              <a:t>{</a:t>
+            </a:r>
+            <a:r>
+              <a:rPr lang="en-US" altLang="ko-KR" sz="1300" dirty="0" err="1"/>
+              <a:t>file_name</a:t>
+            </a:r>
+            <a:r>
+              <a:rPr lang="en-US" altLang="ko-KR" sz="1300" dirty="0"/>
+              <a:t>}.</a:t>
+            </a:r>
+            <a:r>
+              <a:rPr lang="en-US" altLang="ko-KR" sz="1300" dirty="0" err="1"/>
+              <a:t>cshrc</a:t>
+            </a:r>
+            <a:endParaRPr lang="en-US" altLang="ko-KR" sz="1300" dirty="0"/>
+          </a:p>
+          <a:p>
+            <a:pPr marL="857250" lvl="1" indent="-457200">
+              <a:buFont typeface="Arial" panose="020B0604020202020204" pitchFamily="34" charset="0"/>
+              <a:buChar char="•"/>
+            </a:pPr>
+            <a:r>
+              <a:rPr lang="en-US" altLang="ko-KR" sz="1300" dirty="0"/>
+              <a:t>.</a:t>
+            </a:r>
+            <a:r>
+              <a:rPr lang="en-US" altLang="ko-KR" sz="1300" dirty="0" err="1"/>
+              <a:t>cshrc</a:t>
+            </a:r>
+            <a:endParaRPr lang="en-US" altLang="ko-KR" sz="1300" dirty="0"/>
+          </a:p>
+          <a:p>
+            <a:pPr marL="857250" lvl="1" indent="-457200">
+              <a:buFont typeface="Arial" panose="020B0604020202020204" pitchFamily="34" charset="0"/>
+              <a:buChar char="•"/>
+            </a:pPr>
+            <a:endParaRPr lang="en-US" altLang="ko-KR" sz="1300" dirty="0"/>
+          </a:p>
+          <a:p>
+            <a:pPr marL="857250" lvl="1" indent="-457200">
+              <a:buFont typeface="Arial" panose="020B0604020202020204" pitchFamily="34" charset="0"/>
+              <a:buChar char="•"/>
+            </a:pPr>
+            <a:endParaRPr lang="en-US" altLang="ko-KR" sz="1300" dirty="0"/>
+          </a:p>
+          <a:p>
+            <a:pPr marL="457200" indent="-457200">
+              <a:buFont typeface="+mj-lt"/>
+              <a:buAutoNum type="arabicPeriod"/>
+            </a:pPr>
+            <a:r>
+              <a:rPr lang="ko-KR" altLang="en-US" sz="2000" dirty="0"/>
+              <a:t>여러 사용자의 </a:t>
+            </a:r>
+            <a:r>
+              <a:rPr lang="en-US" altLang="ko-KR" sz="2000" dirty="0"/>
+              <a:t>Shell</a:t>
+            </a:r>
+            <a:r>
+              <a:rPr lang="ko-KR" altLang="en-US" sz="2000" dirty="0"/>
+              <a:t>을 일괄적으로 컨트롤</a:t>
+            </a:r>
+            <a:endParaRPr lang="en-US" altLang="ko-KR" sz="2000" dirty="0"/>
+          </a:p>
+          <a:p>
+            <a:pPr marL="857250" lvl="1" indent="-457200">
+              <a:buFont typeface="Arial" panose="020B0604020202020204" pitchFamily="34" charset="0"/>
+              <a:buChar char="•"/>
+            </a:pPr>
+            <a:r>
+              <a:rPr lang="en-US" altLang="ko-KR" sz="1300" dirty="0"/>
+              <a:t>Bash: /</a:t>
+            </a:r>
+            <a:r>
+              <a:rPr lang="en-US" altLang="ko-KR" sz="1300" dirty="0" err="1"/>
+              <a:t>etc</a:t>
+            </a:r>
+            <a:r>
+              <a:rPr lang="en-US" altLang="ko-KR" sz="1300" dirty="0"/>
+              <a:t>/</a:t>
+            </a:r>
+            <a:r>
+              <a:rPr lang="en-US" altLang="ko-KR" sz="1300" dirty="0" err="1"/>
+              <a:t>bashrc</a:t>
+            </a:r>
+            <a:endParaRPr lang="en-US" altLang="ko-KR" sz="1300" dirty="0"/>
+          </a:p>
+          <a:p>
+            <a:pPr marL="857250" lvl="1" indent="-457200">
+              <a:buFont typeface="Arial" panose="020B0604020202020204" pitchFamily="34" charset="0"/>
+              <a:buChar char="•"/>
+            </a:pPr>
+            <a:r>
+              <a:rPr lang="en-US" altLang="ko-KR" sz="1300" dirty="0" err="1"/>
+              <a:t>Csh</a:t>
+            </a:r>
+            <a:r>
+              <a:rPr lang="en-US" altLang="ko-KR" sz="1300" dirty="0"/>
+              <a:t>: /</a:t>
+            </a:r>
+            <a:r>
+              <a:rPr lang="en-US" altLang="ko-KR" sz="1300" dirty="0" err="1"/>
+              <a:t>etc</a:t>
+            </a:r>
+            <a:r>
+              <a:rPr lang="en-US" altLang="ko-KR" sz="1300" dirty="0"/>
+              <a:t>/</a:t>
+            </a:r>
+            <a:r>
+              <a:rPr lang="en-US" altLang="ko-KR" sz="1300" dirty="0" err="1"/>
+              <a:t>csh.cshrc</a:t>
+            </a:r>
+            <a:endParaRPr lang="en-US" altLang="ko-KR" sz="1300" dirty="0"/>
+          </a:p>
+        </p:txBody>
+      </p:sp>
+    </p:spTree>
+    <p:extLst>
+      <p:ext uri="{BB962C8B-B14F-4D97-AF65-F5344CB8AC3E}">
+        <p14:creationId xmlns:p14="http://schemas.microsoft.com/office/powerpoint/2010/main" val="2561470085"/>
+      </p:ext>
+    </p:extLst>
+  </p:cSld>
+  <p:clrMapOvr>
+    <a:masterClrMapping/>
+  </p:clrMapOvr>
+</p:sld>
+</file>
+
+<file path=ppt/slides/slide7.xml><?xml version="1.0" encoding="utf-8"?>
+<p:sld xmlns:a="http://schemas.openxmlformats.org/drawingml/2006/main" xmlns:r="http://schemas.openxmlformats.org/officeDocument/2006/relationships" xmlns:p="http://schemas.openxmlformats.org/presentationml/2006/main">
+  <p:cSld>
+    <p:spTree>
+      <p:nvGrpSpPr>
+        <p:cNvPr id="1" name=""/>
+        <p:cNvGrpSpPr/>
+        <p:nvPr/>
+      </p:nvGrpSpPr>
+      <p:grpSpPr>
+        <a:xfrm>
+          <a:off x="0" y="0"/>
+          <a:ext cx="0" cy="0"/>
+          <a:chOff x="0" y="0"/>
+          <a:chExt cx="0" cy="0"/>
+        </a:xfrm>
+      </p:grpSpPr>
+      <p:sp>
+        <p:nvSpPr>
+          <p:cNvPr id="2" name="Title 1">
+            <a:extLst>
+              <a:ext uri="{FF2B5EF4-FFF2-40B4-BE49-F238E27FC236}">
+                <a16:creationId xmlns:a16="http://schemas.microsoft.com/office/drawing/2014/main" id="{3F97A1E5-C9F9-423E-8198-8C81F762A5D1}"/>
+              </a:ext>
+            </a:extLst>
+          </p:cNvPr>
+          <p:cNvSpPr>
+            <a:spLocks noGrp="1"/>
+          </p:cNvSpPr>
+          <p:nvPr>
+            <p:ph type="title"/>
+          </p:nvPr>
+        </p:nvSpPr>
+        <p:spPr/>
+        <p:txBody>
+          <a:bodyPr/>
+          <a:lstStyle/>
+          <a:p>
+            <a:r>
+              <a:rPr lang="en-US" altLang="ko-KR" dirty="0"/>
+              <a:t>4. Shell </a:t>
+            </a:r>
+            <a:r>
+              <a:rPr lang="ko-KR" altLang="en-US" dirty="0"/>
+              <a:t>실행 프로그램 만들기</a:t>
+            </a:r>
+          </a:p>
+        </p:txBody>
+      </p:sp>
+      <p:sp>
+        <p:nvSpPr>
+          <p:cNvPr id="3" name="Text Placeholder 2">
+            <a:extLst>
+              <a:ext uri="{FF2B5EF4-FFF2-40B4-BE49-F238E27FC236}">
+                <a16:creationId xmlns:a16="http://schemas.microsoft.com/office/drawing/2014/main" id="{E49B50CA-A0E3-41BA-935E-07FDF21D578C}"/>
+              </a:ext>
+            </a:extLst>
+          </p:cNvPr>
+          <p:cNvSpPr>
+            <a:spLocks noGrp="1"/>
+          </p:cNvSpPr>
+          <p:nvPr>
+            <p:ph type="body" sz="quarter" idx="13"/>
+          </p:nvPr>
+        </p:nvSpPr>
+        <p:spPr>
+          <a:xfrm>
+            <a:off x="395536" y="1196752"/>
+            <a:ext cx="8352928" cy="4536504"/>
+          </a:xfrm>
+          <a:ln w="38100">
+            <a:solidFill>
+              <a:schemeClr val="accent2">
+                <a:lumMod val="75000"/>
+              </a:schemeClr>
+            </a:solidFill>
+          </a:ln>
+        </p:spPr>
+        <p:txBody>
+          <a:bodyPr/>
+          <a:lstStyle/>
+          <a:p>
+            <a:pPr marL="457200" indent="-457200">
+              <a:buFont typeface="+mj-lt"/>
+              <a:buAutoNum type="arabicPeriod"/>
+            </a:pPr>
+            <a:r>
+              <a:rPr lang="ko-KR" altLang="en-US" sz="2000" dirty="0"/>
+              <a:t>실행파일 생성</a:t>
+            </a:r>
+            <a:endParaRPr lang="en-US" altLang="ko-KR" sz="2000" dirty="0"/>
+          </a:p>
+          <a:p>
+            <a:pPr marL="857250" lvl="1" indent="-457200">
+              <a:buFont typeface="Arial" panose="020B0604020202020204" pitchFamily="34" charset="0"/>
+              <a:buChar char="•"/>
+            </a:pPr>
+            <a:r>
+              <a:rPr lang="en-US" altLang="ko-KR" sz="1300" dirty="0"/>
+              <a:t>touch {name}.sh</a:t>
+            </a:r>
+          </a:p>
+          <a:p>
+            <a:pPr marL="457200" indent="-457200">
+              <a:buFont typeface="+mj-lt"/>
+              <a:buAutoNum type="arabicPeriod"/>
+            </a:pPr>
+            <a:r>
+              <a:rPr lang="ko-KR" altLang="en-US" sz="2000" dirty="0"/>
+              <a:t>실행경로 설정</a:t>
+            </a:r>
+            <a:endParaRPr lang="en-US" altLang="ko-KR" sz="2000" dirty="0"/>
+          </a:p>
+          <a:p>
+            <a:pPr marL="857250" lvl="1" indent="-457200">
+              <a:buFont typeface="+mj-lt"/>
+              <a:buAutoNum type="arabicPeriod"/>
+            </a:pPr>
+            <a:r>
+              <a:rPr lang="en-US" altLang="ko-KR" sz="1300" dirty="0"/>
+              <a:t>#!/bin/bash</a:t>
+            </a:r>
+          </a:p>
+          <a:p>
+            <a:pPr marL="857250" lvl="1" indent="-457200">
+              <a:buFont typeface="+mj-lt"/>
+              <a:buAutoNum type="arabicPeriod"/>
+            </a:pPr>
+            <a:r>
+              <a:rPr lang="en-US" altLang="ko-KR" sz="1300" dirty="0"/>
+              <a:t>#!/bin/csh</a:t>
+            </a:r>
+          </a:p>
+          <a:p>
+            <a:pPr marL="857250" lvl="1" indent="-457200">
+              <a:buFont typeface="+mj-lt"/>
+              <a:buAutoNum type="arabicPeriod"/>
+            </a:pPr>
+            <a:endParaRPr lang="en-US" altLang="ko-KR" sz="1300" dirty="0"/>
+          </a:p>
+          <a:p>
+            <a:pPr marL="457200" indent="-457200">
+              <a:buFont typeface="+mj-lt"/>
+              <a:buAutoNum type="arabicPeriod"/>
+            </a:pPr>
+            <a:r>
+              <a:rPr lang="en-US" altLang="ko-KR" sz="2000" dirty="0"/>
+              <a:t>Coding</a:t>
+            </a:r>
+          </a:p>
+          <a:p>
+            <a:pPr marL="457200" indent="-457200">
+              <a:buFont typeface="+mj-lt"/>
+              <a:buAutoNum type="arabicPeriod"/>
+            </a:pPr>
+            <a:endParaRPr lang="en-US" altLang="ko-KR" sz="2000" dirty="0"/>
+          </a:p>
+          <a:p>
+            <a:pPr marL="457200" indent="-457200">
+              <a:buFont typeface="+mj-lt"/>
+              <a:buAutoNum type="arabicPeriod"/>
+            </a:pPr>
+            <a:r>
+              <a:rPr lang="ko-KR" altLang="en-US" sz="2000" dirty="0"/>
+              <a:t>실행비트 부여</a:t>
+            </a:r>
+            <a:endParaRPr lang="en-US" altLang="ko-KR" sz="2000" dirty="0"/>
+          </a:p>
+          <a:p>
+            <a:pPr marL="857250" lvl="1" indent="-457200">
+              <a:buFont typeface="Arial" panose="020B0604020202020204" pitchFamily="34" charset="0"/>
+              <a:buChar char="•"/>
+            </a:pPr>
+            <a:r>
+              <a:rPr lang="en-US" altLang="ko-KR" sz="1300" dirty="0" err="1"/>
+              <a:t>chmod</a:t>
+            </a:r>
+            <a:r>
+              <a:rPr lang="en-US" altLang="ko-KR" sz="1300" dirty="0"/>
+              <a:t> +x ./{</a:t>
+            </a:r>
+            <a:r>
+              <a:rPr lang="en-US" altLang="ko-KR" sz="1300" dirty="0" err="1"/>
+              <a:t>file_name</a:t>
+            </a:r>
+            <a:r>
+              <a:rPr lang="en-US" altLang="ko-KR" sz="1300" dirty="0"/>
+              <a:t>}</a:t>
+            </a:r>
+          </a:p>
+          <a:p>
+            <a:pPr marL="857250" lvl="1" indent="-457200">
+              <a:buFont typeface="Arial" panose="020B0604020202020204" pitchFamily="34" charset="0"/>
+              <a:buChar char="•"/>
+            </a:pPr>
+            <a:endParaRPr lang="en-US" altLang="ko-KR" sz="1300" dirty="0"/>
+          </a:p>
+          <a:p>
+            <a:pPr marL="457200" indent="-457200">
+              <a:buFont typeface="+mj-lt"/>
+              <a:buAutoNum type="arabicPeriod"/>
+            </a:pPr>
+            <a:r>
+              <a:rPr lang="ko-KR" altLang="en-US" sz="2000" dirty="0">
+                <a:solidFill>
+                  <a:schemeClr val="tx1"/>
+                </a:solidFill>
+              </a:rPr>
+              <a:t>실행과 </a:t>
+            </a:r>
+            <a:r>
+              <a:rPr lang="ko-KR" altLang="en-US" sz="2000" dirty="0">
+                <a:solidFill>
+                  <a:srgbClr val="FF0000"/>
+                </a:solidFill>
+              </a:rPr>
+              <a:t>환경 변수</a:t>
+            </a:r>
+            <a:endParaRPr lang="en-US" altLang="ko-KR" sz="2000" dirty="0">
+              <a:solidFill>
+                <a:srgbClr val="FF0000"/>
+              </a:solidFill>
+            </a:endParaRPr>
+          </a:p>
+          <a:p>
+            <a:pPr marL="857250" lvl="1" indent="-457200">
+              <a:buFont typeface="+mj-lt"/>
+              <a:buAutoNum type="arabicPeriod"/>
+            </a:pPr>
+            <a:r>
+              <a:rPr lang="ko-KR" altLang="en-US" sz="1300" dirty="0">
+                <a:solidFill>
+                  <a:schemeClr val="tx1"/>
+                </a:solidFill>
+              </a:rPr>
+              <a:t>실행</a:t>
+            </a:r>
+            <a:r>
+              <a:rPr lang="en-US" altLang="ko-KR" sz="1300" dirty="0">
+                <a:solidFill>
+                  <a:schemeClr val="tx1"/>
+                </a:solidFill>
+              </a:rPr>
+              <a:t>: ./{name}.sh</a:t>
+            </a:r>
+          </a:p>
+          <a:p>
+            <a:pPr marL="857250" lvl="1" indent="-457200">
+              <a:buFont typeface="+mj-lt"/>
+              <a:buAutoNum type="arabicPeriod"/>
+            </a:pPr>
+            <a:r>
+              <a:rPr lang="en-US" altLang="ko-KR" sz="1300" dirty="0">
+                <a:solidFill>
+                  <a:schemeClr val="tx1"/>
+                </a:solidFill>
+              </a:rPr>
+              <a:t>Bash</a:t>
+            </a:r>
+            <a:r>
+              <a:rPr lang="ko-KR" altLang="en-US" sz="1300" dirty="0">
+                <a:solidFill>
+                  <a:schemeClr val="tx1"/>
+                </a:solidFill>
+              </a:rPr>
+              <a:t> 환경변수</a:t>
+            </a:r>
+            <a:r>
+              <a:rPr lang="en-US" altLang="ko-KR" sz="1300" dirty="0">
+                <a:solidFill>
+                  <a:schemeClr val="tx1"/>
+                </a:solidFill>
+              </a:rPr>
+              <a:t>: export PATH={path}:$PATH</a:t>
+            </a:r>
+          </a:p>
+          <a:p>
+            <a:pPr marL="857250" lvl="1" indent="-457200">
+              <a:buFont typeface="+mj-lt"/>
+              <a:buAutoNum type="arabicPeriod"/>
+            </a:pPr>
+            <a:r>
+              <a:rPr lang="en-US" altLang="ko-KR" sz="1300" dirty="0" err="1">
+                <a:solidFill>
+                  <a:schemeClr val="tx1"/>
+                </a:solidFill>
+              </a:rPr>
+              <a:t>Csh</a:t>
+            </a:r>
+            <a:r>
+              <a:rPr lang="en-US" altLang="ko-KR" sz="1300" dirty="0">
+                <a:solidFill>
+                  <a:schemeClr val="tx1"/>
+                </a:solidFill>
+              </a:rPr>
+              <a:t>/</a:t>
+            </a:r>
+            <a:r>
+              <a:rPr lang="en-US" altLang="ko-KR" sz="1300" dirty="0" err="1">
+                <a:solidFill>
+                  <a:schemeClr val="tx1"/>
+                </a:solidFill>
+              </a:rPr>
+              <a:t>tcsh</a:t>
+            </a:r>
+            <a:r>
+              <a:rPr lang="en-US" altLang="ko-KR" sz="1300" dirty="0">
+                <a:solidFill>
+                  <a:schemeClr val="tx1"/>
+                </a:solidFill>
+              </a:rPr>
+              <a:t> </a:t>
+            </a:r>
+            <a:r>
+              <a:rPr lang="ko-KR" altLang="en-US" sz="1300" dirty="0">
+                <a:solidFill>
+                  <a:schemeClr val="tx1"/>
+                </a:solidFill>
+              </a:rPr>
+              <a:t>환경변수</a:t>
+            </a:r>
+            <a:r>
+              <a:rPr lang="en-US" altLang="ko-KR" sz="1300" dirty="0">
+                <a:solidFill>
+                  <a:schemeClr val="tx1"/>
+                </a:solidFill>
+              </a:rPr>
+              <a:t>: set path = ($path {path})</a:t>
+            </a:r>
+          </a:p>
+        </p:txBody>
+      </p:sp>
+    </p:spTree>
+    <p:extLst>
+      <p:ext uri="{BB962C8B-B14F-4D97-AF65-F5344CB8AC3E}">
+        <p14:creationId xmlns:p14="http://schemas.microsoft.com/office/powerpoint/2010/main" val="3715989482"/>
+      </p:ext>
+    </p:extLst>
+  </p:cSld>
+  <p:clrMapOvr>
+    <a:masterClrMapping/>
+  </p:clrMapOvr>
+</p:sld>
+</file>
+
+<file path=ppt/slides/slide8.xml><?xml version="1.0" encoding="utf-8"?>
+<p:sld xmlns:a="http://schemas.openxmlformats.org/drawingml/2006/main" xmlns:r="http://schemas.openxmlformats.org/officeDocument/2006/relationships" xmlns:p="http://schemas.openxmlformats.org/presentationml/2006/main">
+  <p:cSld>
+    <p:spTree>
+      <p:nvGrpSpPr>
+        <p:cNvPr id="1" name=""/>
+        <p:cNvGrpSpPr/>
+        <p:nvPr/>
+      </p:nvGrpSpPr>
+      <p:grpSpPr>
+        <a:xfrm>
+          <a:off x="0" y="0"/>
+          <a:ext cx="0" cy="0"/>
+          <a:chOff x="0" y="0"/>
+          <a:chExt cx="0" cy="0"/>
+        </a:xfrm>
+      </p:grpSpPr>
+      <p:sp>
+        <p:nvSpPr>
+          <p:cNvPr id="2" name="Title 1">
+            <a:extLst>
+              <a:ext uri="{FF2B5EF4-FFF2-40B4-BE49-F238E27FC236}">
+                <a16:creationId xmlns:a16="http://schemas.microsoft.com/office/drawing/2014/main" id="{3F97A1E5-C9F9-423E-8198-8C81F762A5D1}"/>
+              </a:ext>
+            </a:extLst>
+          </p:cNvPr>
+          <p:cNvSpPr>
+            <a:spLocks noGrp="1"/>
+          </p:cNvSpPr>
+          <p:nvPr>
+            <p:ph type="title"/>
+          </p:nvPr>
+        </p:nvSpPr>
+        <p:spPr/>
+        <p:txBody>
+          <a:bodyPr/>
+          <a:lstStyle/>
+          <a:p>
+            <a:r>
+              <a:rPr lang="en-US" altLang="ko-KR" dirty="0"/>
+              <a:t>5. </a:t>
+            </a:r>
+            <a:r>
+              <a:rPr lang="ko-KR" altLang="en-US" dirty="0"/>
+              <a:t>소유자 변경</a:t>
+            </a:r>
+          </a:p>
+        </p:txBody>
+      </p:sp>
+      <p:sp>
+        <p:nvSpPr>
+          <p:cNvPr id="3" name="Text Placeholder 2">
+            <a:extLst>
+              <a:ext uri="{FF2B5EF4-FFF2-40B4-BE49-F238E27FC236}">
+                <a16:creationId xmlns:a16="http://schemas.microsoft.com/office/drawing/2014/main" id="{E49B50CA-A0E3-41BA-935E-07FDF21D578C}"/>
+              </a:ext>
+            </a:extLst>
+          </p:cNvPr>
+          <p:cNvSpPr>
+            <a:spLocks noGrp="1"/>
+          </p:cNvSpPr>
+          <p:nvPr>
+            <p:ph type="body" sz="quarter" idx="13"/>
+          </p:nvPr>
+        </p:nvSpPr>
+        <p:spPr>
+          <a:xfrm>
+            <a:off x="395536" y="1196752"/>
+            <a:ext cx="8352928" cy="4536504"/>
+          </a:xfrm>
+          <a:ln w="38100">
+            <a:solidFill>
+              <a:schemeClr val="accent2">
+                <a:lumMod val="75000"/>
+              </a:schemeClr>
+            </a:solidFill>
+          </a:ln>
+        </p:spPr>
+        <p:txBody>
+          <a:bodyPr/>
+          <a:lstStyle/>
+          <a:p>
+            <a:pPr marL="457200" indent="-457200">
+              <a:buFont typeface="Arial" panose="020B0604020202020204" pitchFamily="34" charset="0"/>
+              <a:buChar char="•"/>
+            </a:pPr>
+            <a:r>
+              <a:rPr lang="en-US" altLang="ko-KR" sz="2400" dirty="0" err="1">
+                <a:solidFill>
+                  <a:schemeClr val="tx1"/>
+                </a:solidFill>
+              </a:rPr>
+              <a:t>chown</a:t>
+            </a:r>
+            <a:r>
+              <a:rPr lang="en-US" altLang="ko-KR" sz="2400" dirty="0">
+                <a:solidFill>
+                  <a:schemeClr val="tx1"/>
+                </a:solidFill>
+              </a:rPr>
+              <a:t> [option]</a:t>
+            </a:r>
+            <a:r>
+              <a:rPr lang="ko-KR" altLang="en-US" sz="2400" dirty="0">
+                <a:solidFill>
+                  <a:schemeClr val="tx1"/>
+                </a:solidFill>
+              </a:rPr>
+              <a:t> </a:t>
+            </a:r>
+            <a:r>
+              <a:rPr lang="en-US" altLang="ko-KR" sz="2400" dirty="0">
+                <a:solidFill>
+                  <a:schemeClr val="tx1"/>
+                </a:solidFill>
+              </a:rPr>
+              <a:t>[</a:t>
+            </a:r>
+            <a:r>
+              <a:rPr lang="en-US" altLang="ko-KR" sz="2400" dirty="0" err="1">
+                <a:solidFill>
+                  <a:schemeClr val="tx1"/>
+                </a:solidFill>
+              </a:rPr>
+              <a:t>user:group</a:t>
+            </a:r>
+            <a:r>
+              <a:rPr lang="en-US" altLang="ko-KR" sz="2400" dirty="0">
+                <a:solidFill>
+                  <a:schemeClr val="tx1"/>
+                </a:solidFill>
+              </a:rPr>
+              <a:t>] [file or directory]</a:t>
+            </a:r>
+          </a:p>
+          <a:p>
+            <a:pPr marL="0" indent="0"/>
+            <a:r>
+              <a:rPr lang="en-US" altLang="ko-KR" sz="2400" dirty="0">
+                <a:solidFill>
+                  <a:schemeClr val="tx1"/>
+                </a:solidFill>
+              </a:rPr>
+              <a:t>: change file owner and group</a:t>
+            </a:r>
+          </a:p>
+          <a:p>
+            <a:pPr marL="857250" lvl="1" indent="-457200">
+              <a:buFont typeface="Arial" panose="020B0604020202020204" pitchFamily="34" charset="0"/>
+              <a:buChar char="•"/>
+            </a:pPr>
+            <a:r>
+              <a:rPr lang="en-US" altLang="ko-KR" sz="1700" dirty="0">
+                <a:solidFill>
+                  <a:schemeClr val="tx1"/>
+                </a:solidFill>
+              </a:rPr>
+              <a:t>Option</a:t>
+            </a:r>
+          </a:p>
+          <a:p>
+            <a:pPr marL="1257300" lvl="2" indent="-457200">
+              <a:buFont typeface="Arial" panose="020B0604020202020204" pitchFamily="34" charset="0"/>
+              <a:buChar char="•"/>
+            </a:pPr>
+            <a:r>
+              <a:rPr lang="en-US" altLang="ko-KR" sz="1700" dirty="0">
+                <a:solidFill>
+                  <a:schemeClr val="tx1"/>
+                </a:solidFill>
+              </a:rPr>
+              <a:t>R: </a:t>
+            </a:r>
+          </a:p>
+        </p:txBody>
+      </p:sp>
+    </p:spTree>
+    <p:extLst>
+      <p:ext uri="{BB962C8B-B14F-4D97-AF65-F5344CB8AC3E}">
+        <p14:creationId xmlns:p14="http://schemas.microsoft.com/office/powerpoint/2010/main" val="2248770096"/>
+      </p:ext>
+    </p:extLst>
+  </p:cSld>
+  <p:clrMapOvr>
+    <a:masterClrMapping/>
+  </p:clrMapOvr>
+</p:sld>
+</file>
+
+<file path=ppt/slides/slide9.xml><?xml version="1.0" encoding="utf-8"?>
+<p:sld xmlns:a="http://schemas.openxmlformats.org/drawingml/2006/main" xmlns:r="http://schemas.openxmlformats.org/officeDocument/2006/relationships" xmlns:p="http://schemas.openxmlformats.org/presentationml/2006/main">
+  <p:cSld>
+    <p:spTree>
+      <p:nvGrpSpPr>
+        <p:cNvPr id="1" name=""/>
+        <p:cNvGrpSpPr/>
+        <p:nvPr/>
+      </p:nvGrpSpPr>
+      <p:grpSpPr>
+        <a:xfrm>
+          <a:off x="0" y="0"/>
+          <a:ext cx="0" cy="0"/>
+          <a:chOff x="0" y="0"/>
+          <a:chExt cx="0" cy="0"/>
+        </a:xfrm>
+      </p:grpSpPr>
+      <p:sp>
+        <p:nvSpPr>
+          <p:cNvPr id="2" name="Title 1">
+            <a:extLst>
+              <a:ext uri="{FF2B5EF4-FFF2-40B4-BE49-F238E27FC236}">
+                <a16:creationId xmlns:a16="http://schemas.microsoft.com/office/drawing/2014/main" id="{3F97A1E5-C9F9-423E-8198-8C81F762A5D1}"/>
+              </a:ext>
+            </a:extLst>
+          </p:cNvPr>
+          <p:cNvSpPr>
+            <a:spLocks noGrp="1"/>
+          </p:cNvSpPr>
+          <p:nvPr>
+            <p:ph type="title"/>
+          </p:nvPr>
+        </p:nvSpPr>
+        <p:spPr/>
+        <p:txBody>
+          <a:bodyPr/>
+          <a:lstStyle/>
+          <a:p>
+            <a:r>
+              <a:rPr lang="en-US" altLang="ko-KR" dirty="0"/>
+              <a:t>6. </a:t>
+            </a:r>
+            <a:r>
+              <a:rPr lang="ko-KR" altLang="en-US" dirty="0"/>
+              <a:t>권한</a:t>
+            </a:r>
+            <a:r>
+              <a:rPr lang="en-US" altLang="ko-KR" dirty="0"/>
+              <a:t>(Permission)</a:t>
+            </a:r>
+            <a:endParaRPr lang="ko-KR" altLang="en-US" dirty="0"/>
+          </a:p>
+        </p:txBody>
+      </p:sp>
+      <p:sp>
+        <p:nvSpPr>
+          <p:cNvPr id="3" name="Text Placeholder 2">
+            <a:extLst>
+              <a:ext uri="{FF2B5EF4-FFF2-40B4-BE49-F238E27FC236}">
+                <a16:creationId xmlns:a16="http://schemas.microsoft.com/office/drawing/2014/main" id="{E49B50CA-A0E3-41BA-935E-07FDF21D578C}"/>
+              </a:ext>
+            </a:extLst>
+          </p:cNvPr>
+          <p:cNvSpPr>
+            <a:spLocks noGrp="1"/>
+          </p:cNvSpPr>
+          <p:nvPr>
+            <p:ph type="body" sz="quarter" idx="13"/>
+          </p:nvPr>
+        </p:nvSpPr>
+        <p:spPr>
+          <a:xfrm>
+            <a:off x="395536" y="1196752"/>
+            <a:ext cx="8352928" cy="4536504"/>
+          </a:xfrm>
+          <a:ln w="38100">
+            <a:solidFill>
+              <a:schemeClr val="accent2">
+                <a:lumMod val="75000"/>
+              </a:schemeClr>
+            </a:solidFill>
+          </a:ln>
+        </p:spPr>
+        <p:txBody>
+          <a:bodyPr/>
+          <a:lstStyle/>
+          <a:p>
+            <a:pPr marL="457200" indent="-457200">
+              <a:buFont typeface="+mj-lt"/>
+              <a:buAutoNum type="arabicPeriod"/>
+            </a:pPr>
+            <a:r>
+              <a:rPr lang="en-US" altLang="ko-KR" sz="2400" dirty="0" err="1">
+                <a:solidFill>
+                  <a:schemeClr val="tx1"/>
+                </a:solidFill>
+              </a:rPr>
+              <a:t>rwx</a:t>
+            </a:r>
+            <a:r>
+              <a:rPr lang="en-US" altLang="ko-KR" sz="2400" dirty="0">
+                <a:solidFill>
+                  <a:schemeClr val="tx1"/>
+                </a:solidFill>
+              </a:rPr>
+              <a:t>?</a:t>
+            </a:r>
+          </a:p>
+          <a:p>
+            <a:pPr marL="685800" lvl="1">
+              <a:buFont typeface="Arial" panose="020B0604020202020204" pitchFamily="34" charset="0"/>
+              <a:buChar char="•"/>
+            </a:pPr>
+            <a:r>
+              <a:rPr lang="en-US" altLang="ko-KR" sz="2000" dirty="0">
+                <a:solidFill>
+                  <a:schemeClr val="tx1"/>
+                </a:solidFill>
+              </a:rPr>
+              <a:t>r:</a:t>
+            </a:r>
+          </a:p>
+          <a:p>
+            <a:pPr marL="685800" lvl="1">
+              <a:buFont typeface="Arial" panose="020B0604020202020204" pitchFamily="34" charset="0"/>
+              <a:buChar char="•"/>
+            </a:pPr>
+            <a:r>
+              <a:rPr lang="en-US" altLang="ko-KR" sz="2000" dirty="0">
+                <a:solidFill>
+                  <a:schemeClr val="tx1"/>
+                </a:solidFill>
+              </a:rPr>
+              <a:t>w:</a:t>
+            </a:r>
+          </a:p>
+          <a:p>
+            <a:pPr marL="685800" lvl="1">
+              <a:buFont typeface="Arial" panose="020B0604020202020204" pitchFamily="34" charset="0"/>
+              <a:buChar char="•"/>
+            </a:pPr>
+            <a:r>
+              <a:rPr lang="en-US" altLang="ko-KR" sz="2000" dirty="0">
+                <a:solidFill>
+                  <a:schemeClr val="tx1"/>
+                </a:solidFill>
+              </a:rPr>
+              <a:t>x:</a:t>
+            </a:r>
+          </a:p>
+          <a:p>
+            <a:pPr marL="685800" lvl="1">
+              <a:buFont typeface="Arial" panose="020B0604020202020204" pitchFamily="34" charset="0"/>
+              <a:buChar char="•"/>
+            </a:pPr>
+            <a:endParaRPr lang="en-US" altLang="ko-KR" sz="2000" dirty="0">
+              <a:solidFill>
+                <a:schemeClr val="tx1"/>
+              </a:solidFill>
+            </a:endParaRPr>
+          </a:p>
+          <a:p>
+            <a:pPr marL="457200" indent="-514350">
+              <a:buFont typeface="+mj-lt"/>
+              <a:buAutoNum type="arabicPeriod"/>
+            </a:pPr>
+            <a:r>
+              <a:rPr lang="en-US" altLang="ko-KR" sz="2400" dirty="0">
+                <a:solidFill>
+                  <a:schemeClr val="tx1"/>
+                </a:solidFill>
+              </a:rPr>
+              <a:t>UGO?</a:t>
+            </a:r>
+          </a:p>
+          <a:p>
+            <a:pPr marL="685800" lvl="1">
+              <a:buFont typeface="Arial" panose="020B0604020202020204" pitchFamily="34" charset="0"/>
+              <a:buChar char="•"/>
+            </a:pPr>
+            <a:r>
+              <a:rPr lang="en-US" altLang="ko-KR" sz="2000" dirty="0">
+                <a:solidFill>
+                  <a:schemeClr val="tx1"/>
+                </a:solidFill>
+              </a:rPr>
+              <a:t>u:</a:t>
+            </a:r>
+          </a:p>
+          <a:p>
+            <a:pPr marL="685800" lvl="1">
+              <a:buFont typeface="Arial" panose="020B0604020202020204" pitchFamily="34" charset="0"/>
+              <a:buChar char="•"/>
+            </a:pPr>
+            <a:r>
+              <a:rPr lang="en-US" altLang="ko-KR" sz="2000" dirty="0">
+                <a:solidFill>
+                  <a:schemeClr val="tx1"/>
+                </a:solidFill>
+              </a:rPr>
+              <a:t>g:</a:t>
+            </a:r>
+          </a:p>
+          <a:p>
+            <a:pPr marL="685800" lvl="1">
+              <a:buFont typeface="Arial" panose="020B0604020202020204" pitchFamily="34" charset="0"/>
+              <a:buChar char="•"/>
+            </a:pPr>
+            <a:r>
+              <a:rPr lang="en-US" altLang="ko-KR" sz="2000" dirty="0">
+                <a:solidFill>
+                  <a:schemeClr val="tx1"/>
+                </a:solidFill>
+              </a:rPr>
+              <a:t>o:</a:t>
+            </a:r>
+          </a:p>
+          <a:p>
+            <a:pPr marL="685800" lvl="1">
+              <a:buFont typeface="Arial" panose="020B0604020202020204" pitchFamily="34" charset="0"/>
+              <a:buChar char="•"/>
+            </a:pPr>
+            <a:endParaRPr lang="en-US" altLang="ko-KR" sz="2000" dirty="0">
+              <a:solidFill>
+                <a:schemeClr val="tx1"/>
+              </a:solidFill>
+            </a:endParaRPr>
+          </a:p>
+        </p:txBody>
+      </p:sp>
+    </p:spTree>
+    <p:extLst>
+      <p:ext uri="{BB962C8B-B14F-4D97-AF65-F5344CB8AC3E}">
+        <p14:creationId xmlns:p14="http://schemas.microsoft.com/office/powerpoint/2010/main" val="162892765"/>
+      </p:ext>
+    </p:extLst>
   </p:cSld>
   <p:clrMapOvr>
     <a:masterClrMapping/>

--- a/portfolio/Linux_OS_System_2022_1_s6.pptx
+++ b/portfolio/Linux_OS_System_2022_1_s6.pptx
@@ -5,10 +5,10 @@
     <p:sldMasterId id="2147483648" r:id="rId1"/>
   </p:sldMasterIdLst>
   <p:notesMasterIdLst>
-    <p:notesMasterId r:id="rId13"/>
+    <p:notesMasterId r:id="rId15"/>
   </p:notesMasterIdLst>
   <p:handoutMasterIdLst>
-    <p:handoutMasterId r:id="rId14"/>
+    <p:handoutMasterId r:id="rId16"/>
   </p:handoutMasterIdLst>
   <p:sldIdLst>
     <p:sldId id="268" r:id="rId2"/>
@@ -18,10 +18,12 @@
     <p:sldId id="280" r:id="rId6"/>
     <p:sldId id="281" r:id="rId7"/>
     <p:sldId id="283" r:id="rId8"/>
-    <p:sldId id="284" r:id="rId9"/>
-    <p:sldId id="285" r:id="rId10"/>
-    <p:sldId id="286" r:id="rId11"/>
-    <p:sldId id="262" r:id="rId12"/>
+    <p:sldId id="288" r:id="rId9"/>
+    <p:sldId id="284" r:id="rId10"/>
+    <p:sldId id="285" r:id="rId11"/>
+    <p:sldId id="286" r:id="rId12"/>
+    <p:sldId id="287" r:id="rId13"/>
+    <p:sldId id="262" r:id="rId14"/>
   </p:sldIdLst>
   <p:sldSz cx="9144000" cy="6858000" type="screen4x3"/>
   <p:notesSz cx="6858000" cy="9144000"/>
@@ -236,7 +238,7 @@
             <a:fld id="{1F80A561-A35E-4C07-B113-AEE55C239B70}" type="datetimeFigureOut">
               <a:rPr lang="ko-KR" altLang="en-US" smtClean="0"/>
               <a:pPr/>
-              <a:t>2022-05-15</a:t>
+              <a:t>2022-05-27</a:t>
             </a:fld>
             <a:endParaRPr lang="ko-KR" altLang="en-US"/>
           </a:p>
@@ -403,7 +405,7 @@
             <a:fld id="{FB545AC5-813F-4ED1-B011-8EA17CB93331}" type="datetimeFigureOut">
               <a:rPr lang="ko-KR" altLang="en-US" smtClean="0"/>
               <a:pPr/>
-              <a:t>2022-05-15</a:t>
+              <a:t>2022-05-27</a:t>
             </a:fld>
             <a:endParaRPr lang="ko-KR" altLang="en-US"/>
           </a:p>
@@ -942,7 +944,7 @@
             <a:fld id="{ED3D6733-6F27-4404-AB51-585418F146E5}" type="datetimeFigureOut">
               <a:rPr lang="ko-KR" altLang="en-US" smtClean="0"/>
               <a:pPr/>
-              <a:t>2022-05-15</a:t>
+              <a:t>2022-05-27</a:t>
             </a:fld>
             <a:endParaRPr lang="ko-KR" altLang="en-US"/>
           </a:p>
@@ -1354,7 +1356,7 @@
             <a:fld id="{ED3D6733-6F27-4404-AB51-585418F146E5}" type="datetimeFigureOut">
               <a:rPr lang="ko-KR" altLang="en-US" smtClean="0"/>
               <a:pPr/>
-              <a:t>2022-05-15</a:t>
+              <a:t>2022-05-27</a:t>
             </a:fld>
             <a:endParaRPr lang="ko-KR" altLang="en-US"/>
           </a:p>
@@ -1547,7 +1549,7 @@
             <a:fld id="{ED3D6733-6F27-4404-AB51-585418F146E5}" type="datetimeFigureOut">
               <a:rPr lang="ko-KR" altLang="en-US" smtClean="0"/>
               <a:pPr/>
-              <a:t>2022-05-15</a:t>
+              <a:t>2022-05-27</a:t>
             </a:fld>
             <a:endParaRPr lang="ko-KR" altLang="en-US"/>
           </a:p>
@@ -2064,7 +2066,7 @@
           <a:p>
             <a:r>
               <a:rPr lang="en-US" altLang="ko-KR" dirty="0"/>
-              <a:t>6. </a:t>
+              <a:t>7. </a:t>
             </a:r>
             <a:r>
               <a:rPr lang="ko-KR" altLang="en-US" dirty="0"/>
@@ -2111,6 +2113,249 @@
           <a:bodyPr/>
           <a:lstStyle/>
           <a:p>
+            <a:pPr marL="457200" indent="-457200">
+              <a:buFont typeface="+mj-lt"/>
+              <a:buAutoNum type="arabicPeriod"/>
+            </a:pPr>
+            <a:r>
+              <a:rPr lang="en-US" altLang="ko-KR" sz="2400" dirty="0" err="1">
+                <a:solidFill>
+                  <a:schemeClr val="tx1"/>
+                </a:solidFill>
+              </a:rPr>
+              <a:t>rwx</a:t>
+            </a:r>
+            <a:r>
+              <a:rPr lang="en-US" altLang="ko-KR" sz="2400" dirty="0">
+                <a:solidFill>
+                  <a:schemeClr val="tx1"/>
+                </a:solidFill>
+              </a:rPr>
+              <a:t>?</a:t>
+            </a:r>
+          </a:p>
+          <a:p>
+            <a:pPr marL="685800" lvl="1">
+              <a:buFont typeface="Arial" panose="020B0604020202020204" pitchFamily="34" charset="0"/>
+              <a:buChar char="•"/>
+            </a:pPr>
+            <a:r>
+              <a:rPr lang="en-US" altLang="ko-KR" sz="2000" dirty="0">
+                <a:solidFill>
+                  <a:schemeClr val="tx1"/>
+                </a:solidFill>
+              </a:rPr>
+              <a:t>r:</a:t>
+            </a:r>
+          </a:p>
+          <a:p>
+            <a:pPr marL="685800" lvl="1">
+              <a:buFont typeface="Arial" panose="020B0604020202020204" pitchFamily="34" charset="0"/>
+              <a:buChar char="•"/>
+            </a:pPr>
+            <a:r>
+              <a:rPr lang="en-US" altLang="ko-KR" sz="2000" dirty="0">
+                <a:solidFill>
+                  <a:schemeClr val="tx1"/>
+                </a:solidFill>
+              </a:rPr>
+              <a:t>w:</a:t>
+            </a:r>
+          </a:p>
+          <a:p>
+            <a:pPr marL="685800" lvl="1">
+              <a:buFont typeface="Arial" panose="020B0604020202020204" pitchFamily="34" charset="0"/>
+              <a:buChar char="•"/>
+            </a:pPr>
+            <a:r>
+              <a:rPr lang="en-US" altLang="ko-KR" sz="2000" dirty="0">
+                <a:solidFill>
+                  <a:schemeClr val="tx1"/>
+                </a:solidFill>
+              </a:rPr>
+              <a:t>x:</a:t>
+            </a:r>
+          </a:p>
+          <a:p>
+            <a:pPr marL="685800" lvl="1">
+              <a:buFont typeface="Arial" panose="020B0604020202020204" pitchFamily="34" charset="0"/>
+              <a:buChar char="•"/>
+            </a:pPr>
+            <a:endParaRPr lang="en-US" altLang="ko-KR" sz="2000" dirty="0">
+              <a:solidFill>
+                <a:schemeClr val="tx1"/>
+              </a:solidFill>
+            </a:endParaRPr>
+          </a:p>
+          <a:p>
+            <a:pPr marL="457200" indent="-514350">
+              <a:buFont typeface="+mj-lt"/>
+              <a:buAutoNum type="arabicPeriod"/>
+            </a:pPr>
+            <a:r>
+              <a:rPr lang="en-US" altLang="ko-KR" sz="2400" dirty="0">
+                <a:solidFill>
+                  <a:schemeClr val="tx1"/>
+                </a:solidFill>
+              </a:rPr>
+              <a:t>UGO?</a:t>
+            </a:r>
+          </a:p>
+          <a:p>
+            <a:pPr marL="685800" lvl="1">
+              <a:buFont typeface="Arial" panose="020B0604020202020204" pitchFamily="34" charset="0"/>
+              <a:buChar char="•"/>
+            </a:pPr>
+            <a:r>
+              <a:rPr lang="en-US" altLang="ko-KR" sz="2000" dirty="0">
+                <a:solidFill>
+                  <a:schemeClr val="tx1"/>
+                </a:solidFill>
+              </a:rPr>
+              <a:t>u:</a:t>
+            </a:r>
+          </a:p>
+          <a:p>
+            <a:pPr marL="685800" lvl="1">
+              <a:buFont typeface="Arial" panose="020B0604020202020204" pitchFamily="34" charset="0"/>
+              <a:buChar char="•"/>
+            </a:pPr>
+            <a:r>
+              <a:rPr lang="en-US" altLang="ko-KR" sz="2000" dirty="0">
+                <a:solidFill>
+                  <a:schemeClr val="tx1"/>
+                </a:solidFill>
+              </a:rPr>
+              <a:t>g:</a:t>
+            </a:r>
+          </a:p>
+          <a:p>
+            <a:pPr marL="685800" lvl="1">
+              <a:buFont typeface="Arial" panose="020B0604020202020204" pitchFamily="34" charset="0"/>
+              <a:buChar char="•"/>
+            </a:pPr>
+            <a:r>
+              <a:rPr lang="en-US" altLang="ko-KR" sz="2000" dirty="0">
+                <a:solidFill>
+                  <a:schemeClr val="tx1"/>
+                </a:solidFill>
+              </a:rPr>
+              <a:t>o:</a:t>
+            </a:r>
+          </a:p>
+          <a:p>
+            <a:pPr marL="685800" lvl="1">
+              <a:buFont typeface="Arial" panose="020B0604020202020204" pitchFamily="34" charset="0"/>
+              <a:buChar char="•"/>
+            </a:pPr>
+            <a:endParaRPr lang="en-US" altLang="ko-KR" sz="2000" dirty="0">
+              <a:solidFill>
+                <a:schemeClr val="tx1"/>
+              </a:solidFill>
+            </a:endParaRPr>
+          </a:p>
+        </p:txBody>
+      </p:sp>
+    </p:spTree>
+    <p:extLst>
+      <p:ext uri="{BB962C8B-B14F-4D97-AF65-F5344CB8AC3E}">
+        <p14:creationId xmlns:p14="http://schemas.microsoft.com/office/powerpoint/2010/main" val="162892765"/>
+      </p:ext>
+    </p:extLst>
+  </p:cSld>
+  <p:clrMapOvr>
+    <a:masterClrMapping/>
+  </p:clrMapOvr>
+</p:sld>
+</file>
+
+<file path=ppt/slides/slide11.xml><?xml version="1.0" encoding="utf-8"?>
+<p:sld xmlns:a="http://schemas.openxmlformats.org/drawingml/2006/main" xmlns:r="http://schemas.openxmlformats.org/officeDocument/2006/relationships" xmlns:p="http://schemas.openxmlformats.org/presentationml/2006/main">
+  <p:cSld>
+    <p:spTree>
+      <p:nvGrpSpPr>
+        <p:cNvPr id="1" name=""/>
+        <p:cNvGrpSpPr/>
+        <p:nvPr/>
+      </p:nvGrpSpPr>
+      <p:grpSpPr>
+        <a:xfrm>
+          <a:off x="0" y="0"/>
+          <a:ext cx="0" cy="0"/>
+          <a:chOff x="0" y="0"/>
+          <a:chExt cx="0" cy="0"/>
+        </a:xfrm>
+      </p:grpSpPr>
+      <p:sp>
+        <p:nvSpPr>
+          <p:cNvPr id="2" name="Title 1">
+            <a:extLst>
+              <a:ext uri="{FF2B5EF4-FFF2-40B4-BE49-F238E27FC236}">
+                <a16:creationId xmlns:a16="http://schemas.microsoft.com/office/drawing/2014/main" id="{3F97A1E5-C9F9-423E-8198-8C81F762A5D1}"/>
+              </a:ext>
+            </a:extLst>
+          </p:cNvPr>
+          <p:cNvSpPr>
+            <a:spLocks noGrp="1"/>
+          </p:cNvSpPr>
+          <p:nvPr>
+            <p:ph type="title"/>
+          </p:nvPr>
+        </p:nvSpPr>
+        <p:spPr/>
+        <p:txBody>
+          <a:bodyPr/>
+          <a:lstStyle/>
+          <a:p>
+            <a:r>
+              <a:rPr lang="en-US" altLang="ko-KR" dirty="0"/>
+              <a:t>7. </a:t>
+            </a:r>
+            <a:r>
+              <a:rPr lang="ko-KR" altLang="en-US" dirty="0"/>
+              <a:t>권한</a:t>
+            </a:r>
+            <a:r>
+              <a:rPr lang="en-US" altLang="ko-KR" dirty="0"/>
+              <a:t>(Permission)</a:t>
+            </a:r>
+            <a:endParaRPr lang="ko-KR" altLang="en-US" dirty="0"/>
+          </a:p>
+        </p:txBody>
+      </p:sp>
+      <p:sp>
+        <p:nvSpPr>
+          <p:cNvPr id="3" name="Text Placeholder 2">
+            <a:extLst>
+              <a:ext uri="{FF2B5EF4-FFF2-40B4-BE49-F238E27FC236}">
+                <a16:creationId xmlns:a16="http://schemas.microsoft.com/office/drawing/2014/main" id="{E49B50CA-A0E3-41BA-935E-07FDF21D578C}"/>
+              </a:ext>
+            </a:extLst>
+          </p:cNvPr>
+          <p:cNvSpPr>
+            <a:spLocks noGrp="1"/>
+          </p:cNvSpPr>
+          <p:nvPr>
+            <p:ph type="body" sz="quarter" idx="13"/>
+          </p:nvPr>
+        </p:nvSpPr>
+        <p:spPr>
+          <a:xfrm>
+            <a:off x="395536" y="1196752"/>
+            <a:ext cx="8352928" cy="4536504"/>
+          </a:xfrm>
+          <a:ln w="38100">
+            <a:solidFill>
+              <a:schemeClr val="accent2">
+                <a:lumMod val="75000"/>
+              </a:schemeClr>
+            </a:solidFill>
+          </a:ln>
+        </p:spPr>
+        <p:txBody>
+          <a:bodyPr/>
+          <a:lstStyle/>
+          <a:p>
             <a:pPr>
               <a:buFont typeface="Arial" panose="020B0604020202020204" pitchFamily="34" charset="0"/>
               <a:buChar char="•"/>
@@ -2222,6 +2467,92 @@
                 <a:schemeClr val="tx1"/>
               </a:solidFill>
             </a:endParaRPr>
+          </a:p>
+          <a:p>
+            <a:pPr marL="800100" lvl="1" indent="-342900">
+              <a:buFont typeface="+mj-lt"/>
+              <a:buAutoNum type="arabicPeriod"/>
+            </a:pPr>
+            <a:endParaRPr lang="en-US" altLang="ko-KR" sz="1700" dirty="0">
+              <a:solidFill>
+                <a:schemeClr val="tx1"/>
+              </a:solidFill>
+            </a:endParaRPr>
+          </a:p>
+          <a:p>
+            <a:pPr marL="457200" lvl="1" indent="0"/>
+            <a:r>
+              <a:rPr lang="en-US" altLang="ko-KR" sz="1700" dirty="0">
+                <a:solidFill>
+                  <a:schemeClr val="tx1"/>
+                </a:solidFill>
+              </a:rPr>
+              <a:t>(</a:t>
+            </a:r>
+            <a:r>
+              <a:rPr lang="ko-KR" altLang="en-US" sz="1700" dirty="0">
+                <a:solidFill>
+                  <a:schemeClr val="tx1"/>
+                </a:solidFill>
+              </a:rPr>
+              <a:t>실습</a:t>
+            </a:r>
+            <a:r>
+              <a:rPr lang="en-US" altLang="ko-KR" sz="1700" dirty="0">
+                <a:solidFill>
+                  <a:schemeClr val="tx1"/>
+                </a:solidFill>
+              </a:rPr>
+              <a:t>) </a:t>
+            </a:r>
+            <a:r>
+              <a:rPr lang="ko-KR" altLang="en-US" sz="1700" dirty="0">
+                <a:solidFill>
+                  <a:schemeClr val="tx1"/>
+                </a:solidFill>
+              </a:rPr>
+              <a:t>각 권한을 바꾸어 가면서 </a:t>
+            </a:r>
+            <a:r>
+              <a:rPr lang="en-US" altLang="ko-KR" sz="1700" dirty="0">
+                <a:solidFill>
+                  <a:schemeClr val="tx1"/>
+                </a:solidFill>
+              </a:rPr>
+              <a:t>U/G/O</a:t>
+            </a:r>
+            <a:r>
+              <a:rPr lang="ko-KR" altLang="en-US" sz="1700" dirty="0">
+                <a:solidFill>
+                  <a:schemeClr val="tx1"/>
+                </a:solidFill>
+              </a:rPr>
+              <a:t>별로 </a:t>
+            </a:r>
+            <a:r>
+              <a:rPr lang="en-US" altLang="ko-KR" sz="1700" dirty="0" err="1">
+                <a:solidFill>
+                  <a:schemeClr val="tx1"/>
+                </a:solidFill>
+              </a:rPr>
+              <a:t>rwx</a:t>
+            </a:r>
+            <a:r>
+              <a:rPr lang="ko-KR" altLang="en-US" sz="1700" dirty="0">
+                <a:solidFill>
+                  <a:schemeClr val="tx1"/>
+                </a:solidFill>
+              </a:rPr>
+              <a:t>를 확인해 보자</a:t>
+            </a:r>
+            <a:r>
+              <a:rPr lang="en-US" altLang="ko-KR" sz="1700" dirty="0">
+                <a:solidFill>
+                  <a:schemeClr val="tx1"/>
+                </a:solidFill>
+              </a:rPr>
+              <a:t>.</a:t>
+            </a:r>
           </a:p>
           <a:p>
             <a:pPr marL="457200" indent="-457200">
@@ -2249,7 +2580,219 @@
 </p:sld>
 </file>
 
-<file path=ppt/slides/slide11.xml><?xml version="1.0" encoding="utf-8"?>
+<file path=ppt/slides/slide12.xml><?xml version="1.0" encoding="utf-8"?>
+<p:sld xmlns:a="http://schemas.openxmlformats.org/drawingml/2006/main" xmlns:r="http://schemas.openxmlformats.org/officeDocument/2006/relationships" xmlns:p="http://schemas.openxmlformats.org/presentationml/2006/main">
+  <p:cSld>
+    <p:spTree>
+      <p:nvGrpSpPr>
+        <p:cNvPr id="1" name=""/>
+        <p:cNvGrpSpPr/>
+        <p:nvPr/>
+      </p:nvGrpSpPr>
+      <p:grpSpPr>
+        <a:xfrm>
+          <a:off x="0" y="0"/>
+          <a:ext cx="0" cy="0"/>
+          <a:chOff x="0" y="0"/>
+          <a:chExt cx="0" cy="0"/>
+        </a:xfrm>
+      </p:grpSpPr>
+      <p:sp>
+        <p:nvSpPr>
+          <p:cNvPr id="2" name="Title 1">
+            <a:extLst>
+              <a:ext uri="{FF2B5EF4-FFF2-40B4-BE49-F238E27FC236}">
+                <a16:creationId xmlns:a16="http://schemas.microsoft.com/office/drawing/2014/main" id="{83ABC4B7-A683-A10F-D4E9-5BC1EC390EFD}"/>
+              </a:ext>
+            </a:extLst>
+          </p:cNvPr>
+          <p:cNvSpPr>
+            <a:spLocks noGrp="1"/>
+          </p:cNvSpPr>
+          <p:nvPr>
+            <p:ph type="title"/>
+          </p:nvPr>
+        </p:nvSpPr>
+        <p:spPr/>
+        <p:txBody>
+          <a:bodyPr/>
+          <a:lstStyle/>
+          <a:p>
+            <a:r>
+              <a:rPr lang="en-US" dirty="0"/>
+              <a:t>8. </a:t>
+            </a:r>
+            <a:r>
+              <a:rPr lang="ko-KR" altLang="en-US" dirty="0"/>
+              <a:t>유저 생성 템플릿 작성</a:t>
+            </a:r>
+            <a:endParaRPr lang="en-US" dirty="0"/>
+          </a:p>
+        </p:txBody>
+      </p:sp>
+      <p:sp>
+        <p:nvSpPr>
+          <p:cNvPr id="3" name="Text Placeholder 2">
+            <a:extLst>
+              <a:ext uri="{FF2B5EF4-FFF2-40B4-BE49-F238E27FC236}">
+                <a16:creationId xmlns:a16="http://schemas.microsoft.com/office/drawing/2014/main" id="{91C18088-98B2-C072-4064-CFE0C745E093}"/>
+              </a:ext>
+            </a:extLst>
+          </p:cNvPr>
+          <p:cNvSpPr>
+            <a:spLocks noGrp="1"/>
+          </p:cNvSpPr>
+          <p:nvPr>
+            <p:ph type="body" sz="quarter" idx="13"/>
+          </p:nvPr>
+        </p:nvSpPr>
+        <p:spPr/>
+        <p:txBody>
+          <a:bodyPr/>
+          <a:lstStyle/>
+          <a:p>
+            <a:pPr>
+              <a:buFont typeface="Arial" panose="020B0604020202020204" pitchFamily="34" charset="0"/>
+              <a:buChar char="•"/>
+            </a:pPr>
+            <a:r>
+              <a:rPr lang="en-US" dirty="0"/>
+              <a:t>/</a:t>
+            </a:r>
+            <a:r>
+              <a:rPr lang="en-US" dirty="0" err="1"/>
+              <a:t>etc</a:t>
+            </a:r>
+            <a:r>
+              <a:rPr lang="en-US" dirty="0"/>
+              <a:t>/</a:t>
+            </a:r>
+            <a:r>
+              <a:rPr lang="en-US" dirty="0" err="1"/>
+              <a:t>skel</a:t>
+            </a:r>
+            <a:r>
+              <a:rPr lang="en-US" dirty="0"/>
+              <a:t> </a:t>
+            </a:r>
+            <a:r>
+              <a:rPr lang="ko-KR" altLang="en-US" dirty="0"/>
+              <a:t>디렉토리</a:t>
+            </a:r>
+            <a:endParaRPr lang="en-US" altLang="ko-KR" dirty="0"/>
+          </a:p>
+          <a:p>
+            <a:pPr lvl="1">
+              <a:buFont typeface="Arial" panose="020B0604020202020204" pitchFamily="34" charset="0"/>
+              <a:buChar char="•"/>
+            </a:pPr>
+            <a:r>
+              <a:rPr lang="ko-KR" altLang="en-US" dirty="0"/>
+              <a:t>유저가 최초로 생성될 때 각자의 홈 경로에 필요한 파일</a:t>
+            </a:r>
+            <a:r>
+              <a:rPr lang="en-US" altLang="ko-KR" dirty="0"/>
+              <a:t>/</a:t>
+            </a:r>
+            <a:r>
+              <a:rPr lang="ko-KR" altLang="en-US" dirty="0"/>
+              <a:t>디렉토리를 설정</a:t>
+            </a:r>
+            <a:endParaRPr lang="en-US" altLang="ko-KR" dirty="0"/>
+          </a:p>
+          <a:p>
+            <a:pPr lvl="1">
+              <a:buFont typeface="Arial" panose="020B0604020202020204" pitchFamily="34" charset="0"/>
+              <a:buChar char="•"/>
+            </a:pPr>
+            <a:r>
+              <a:rPr lang="ko-KR" altLang="en-US" dirty="0"/>
+              <a:t>각 유저가 필요한 공통의 설정을 지정가능</a:t>
+            </a:r>
+            <a:endParaRPr lang="en-US" altLang="ko-KR" dirty="0"/>
+          </a:p>
+          <a:p>
+            <a:pPr lvl="1">
+              <a:buFont typeface="Arial" panose="020B0604020202020204" pitchFamily="34" charset="0"/>
+              <a:buChar char="•"/>
+            </a:pPr>
+            <a:endParaRPr lang="en-US" dirty="0"/>
+          </a:p>
+          <a:p>
+            <a:pPr lvl="1">
+              <a:buFont typeface="Arial" panose="020B0604020202020204" pitchFamily="34" charset="0"/>
+              <a:buChar char="•"/>
+            </a:pPr>
+            <a:r>
+              <a:rPr lang="en-US" dirty="0"/>
+              <a:t>(</a:t>
+            </a:r>
+            <a:r>
+              <a:rPr lang="ko-KR" altLang="en-US" dirty="0"/>
+              <a:t>실습</a:t>
+            </a:r>
+            <a:r>
+              <a:rPr lang="en-US" altLang="ko-KR" dirty="0"/>
+              <a:t>) </a:t>
+            </a:r>
+            <a:r>
+              <a:rPr lang="ko-KR" altLang="en-US" dirty="0"/>
+              <a:t>유저 생성시 </a:t>
+            </a:r>
+            <a:r>
+              <a:rPr lang="en-US" altLang="ko-KR" dirty="0"/>
+              <a:t>1) </a:t>
+            </a:r>
+            <a:r>
+              <a:rPr lang="ko-KR" altLang="en-US" dirty="0"/>
+              <a:t>개별 </a:t>
+            </a:r>
+            <a:r>
+              <a:rPr lang="en-US" altLang="ko-KR" dirty="0"/>
+              <a:t>C-Shell</a:t>
+            </a:r>
+            <a:r>
+              <a:rPr lang="ko-KR" altLang="en-US" dirty="0"/>
+              <a:t>의 설정 파일과 </a:t>
+            </a:r>
+            <a:r>
+              <a:rPr lang="en-US" altLang="ko-KR" dirty="0"/>
+              <a:t>2) README.txt</a:t>
+            </a:r>
+            <a:r>
+              <a:rPr lang="ko-KR" altLang="en-US" dirty="0"/>
+              <a:t>파일을 </a:t>
+            </a:r>
+            <a:r>
+              <a:rPr lang="en-US" altLang="ko-KR" dirty="0" err="1"/>
+              <a:t>defaul</a:t>
+            </a:r>
+            <a:r>
+              <a:rPr lang="ko-KR" altLang="en-US" dirty="0"/>
+              <a:t>로 지정하여 보자</a:t>
+            </a:r>
+            <a:r>
+              <a:rPr lang="en-US" altLang="ko-KR" dirty="0"/>
+              <a:t>.</a:t>
+            </a:r>
+            <a:endParaRPr lang="en-US" dirty="0"/>
+          </a:p>
+        </p:txBody>
+      </p:sp>
+    </p:spTree>
+    <p:extLst>
+      <p:ext uri="{BB962C8B-B14F-4D97-AF65-F5344CB8AC3E}">
+        <p14:creationId xmlns:p14="http://schemas.microsoft.com/office/powerpoint/2010/main" val="2317892847"/>
+      </p:ext>
+    </p:extLst>
+  </p:cSld>
+  <p:clrMapOvr>
+    <a:masterClrMapping/>
+  </p:clrMapOvr>
+</p:sld>
+</file>
+
+<file path=ppt/slides/slide13.xml><?xml version="1.0" encoding="utf-8"?>
 <p:sld xmlns:a="http://schemas.openxmlformats.org/drawingml/2006/main" xmlns:r="http://schemas.openxmlformats.org/officeDocument/2006/relationships" xmlns:p="http://schemas.openxmlformats.org/presentationml/2006/main">
   <p:cSld>
     <p:spTree>
@@ -2544,7 +3087,15 @@
             </a:r>
             <a:r>
               <a:rPr lang="en-US" altLang="ko-KR" sz="1600" dirty="0"/>
-              <a:t>-again Shell(Bash)</a:t>
+              <a:t>-again Shell(Bash): </a:t>
+            </a:r>
+            <a:r>
+              <a:rPr lang="ko-KR" altLang="en-US" sz="1600" dirty="0"/>
+              <a:t>대부분 리눅스의 </a:t>
+            </a:r>
+            <a:r>
+              <a:rPr lang="en-US" altLang="ko-KR" sz="1600" dirty="0"/>
+              <a:t>default shell</a:t>
             </a:r>
           </a:p>
           <a:p>
@@ -2553,32 +3104,64 @@
               <a:buChar char="•"/>
             </a:pPr>
             <a:r>
+              <a:rPr lang="en-US" altLang="ko-KR" sz="1600" b="1" dirty="0">
+                <a:solidFill>
+                  <a:srgbClr val="FF0000"/>
+                </a:solidFill>
+              </a:rPr>
+              <a:t>C Shell(</a:t>
+            </a:r>
+            <a:r>
+              <a:rPr lang="en-US" altLang="ko-KR" sz="1600" b="1" dirty="0" err="1">
+                <a:solidFill>
+                  <a:srgbClr val="FF0000"/>
+                </a:solidFill>
+              </a:rPr>
+              <a:t>csh</a:t>
+            </a:r>
+            <a:r>
+              <a:rPr lang="en-US" altLang="ko-KR" sz="1600" b="1" dirty="0">
+                <a:solidFill>
+                  <a:srgbClr val="FF0000"/>
+                </a:solidFill>
+              </a:rPr>
+              <a:t>) / TENEX</a:t>
+            </a:r>
+            <a:r>
+              <a:rPr lang="ko-KR" altLang="en-US" sz="1600" b="1" dirty="0">
+                <a:solidFill>
+                  <a:srgbClr val="FF0000"/>
+                </a:solidFill>
+              </a:rPr>
+              <a:t> </a:t>
+            </a:r>
+            <a:r>
+              <a:rPr lang="en-US" altLang="ko-KR" sz="1600" b="1" dirty="0">
+                <a:solidFill>
+                  <a:srgbClr val="FF0000"/>
+                </a:solidFill>
+              </a:rPr>
+              <a:t>C</a:t>
+            </a:r>
+            <a:r>
+              <a:rPr lang="ko-KR" altLang="en-US" sz="1600" b="1" dirty="0">
+                <a:solidFill>
+                  <a:srgbClr val="FF0000"/>
+                </a:solidFill>
+              </a:rPr>
+              <a:t> </a:t>
+            </a:r>
+            <a:r>
+              <a:rPr lang="en-US" altLang="ko-KR" sz="1600" b="1" dirty="0">
+                <a:solidFill>
+                  <a:srgbClr val="FF0000"/>
+                </a:solidFill>
+              </a:rPr>
+              <a:t>Shell</a:t>
+            </a:r>
+            <a:r>
               <a:rPr lang="en-US" altLang="ko-KR" sz="1600" dirty="0"/>
-              <a:t>C Shell(</a:t>
-            </a:r>
-            <a:r>
-              <a:rPr lang="en-US" altLang="ko-KR" sz="1600" dirty="0" err="1"/>
-              <a:t>csh</a:t>
-            </a:r>
-            <a:r>
-              <a:rPr lang="en-US" altLang="ko-KR" sz="1600" dirty="0"/>
-              <a:t>) / TENEX</a:t>
-            </a:r>
-            <a:r>
-              <a:rPr lang="ko-KR" altLang="en-US" sz="1600" dirty="0"/>
-              <a:t> </a:t>
-            </a:r>
-            <a:r>
-              <a:rPr lang="en-US" altLang="ko-KR" sz="1600" dirty="0"/>
-              <a:t>C</a:t>
-            </a:r>
-            <a:r>
-              <a:rPr lang="ko-KR" altLang="en-US" sz="1600" dirty="0"/>
-              <a:t> </a:t>
-            </a:r>
-            <a:r>
-              <a:rPr lang="en-US" altLang="ko-KR" sz="1600" dirty="0"/>
-              <a:t>Shell(</a:t>
+              <a:t>(</a:t>
             </a:r>
             <a:r>
               <a:rPr lang="en-US" altLang="ko-KR" sz="1600" dirty="0" err="1"/>
@@ -2586,8 +3169,13 @@
             </a:r>
             <a:r>
               <a:rPr lang="en-US" altLang="ko-KR" sz="1600" dirty="0"/>
-              <a:t>)</a:t>
-            </a:r>
+              <a:t>): EDA</a:t>
+            </a:r>
+            <a:r>
+              <a:rPr lang="ko-KR" altLang="en-US" sz="1600" dirty="0"/>
+              <a:t>설계 환경에서 주로 사용</a:t>
+            </a:r>
+            <a:endParaRPr lang="en-US" altLang="ko-KR" sz="1600" dirty="0"/>
           </a:p>
           <a:p>
             <a:pPr marL="1085850" lvl="2">
@@ -2727,8 +3315,21 @@
             </a:pPr>
             <a:r>
               <a:rPr lang="en-US" altLang="ko-KR" sz="1300" dirty="0"/>
-              <a:t>echo $SHELL</a:t>
-            </a:r>
+              <a:t>echo $SHELL: </a:t>
+            </a:r>
+            <a:r>
+              <a:rPr lang="ko-KR" altLang="en-US" sz="1300" dirty="0"/>
+              <a:t>사용중인 </a:t>
+            </a:r>
+            <a:r>
+              <a:rPr lang="en-US" altLang="ko-KR" sz="1300" dirty="0"/>
+              <a:t>Shell</a:t>
+            </a:r>
+            <a:r>
+              <a:rPr lang="ko-KR" altLang="en-US" sz="1300" dirty="0"/>
+              <a:t>의 실행 경로를 출력</a:t>
+            </a:r>
+            <a:endParaRPr lang="en-US" altLang="ko-KR" sz="1300" dirty="0"/>
           </a:p>
           <a:p>
             <a:pPr marL="857250" lvl="1" indent="-457200">
@@ -2737,8 +3338,21 @@
             </a:pPr>
             <a:r>
               <a:rPr lang="en-US" altLang="ko-KR" sz="1300" dirty="0"/>
-              <a:t>echo $0</a:t>
-            </a:r>
+              <a:t>echo $0: </a:t>
+            </a:r>
+            <a:r>
+              <a:rPr lang="ko-KR" altLang="en-US" sz="1300" dirty="0"/>
+              <a:t>사용중인 </a:t>
+            </a:r>
+            <a:r>
+              <a:rPr lang="en-US" altLang="ko-KR" sz="1300" dirty="0"/>
+              <a:t>Shell</a:t>
+            </a:r>
+            <a:r>
+              <a:rPr lang="ko-KR" altLang="en-US" sz="1300" dirty="0"/>
+              <a:t>의 이름을 출력</a:t>
+            </a:r>
+            <a:endParaRPr lang="en-US" altLang="ko-KR" sz="1300" dirty="0"/>
           </a:p>
           <a:p>
             <a:pPr marL="400050" lvl="1" indent="0"/>
@@ -2774,39 +3388,64 @@
             </a:r>
           </a:p>
           <a:p>
-            <a:pPr marL="457200" lvl="1" indent="0"/>
-            <a:endParaRPr lang="en-US" altLang="ko-KR" sz="1300" dirty="0"/>
-          </a:p>
-          <a:p>
-            <a:pPr marL="0" indent="0"/>
-            <a:r>
-              <a:rPr lang="en-US" altLang="ko-KR" dirty="0"/>
-              <a:t>3. </a:t>
-            </a:r>
-            <a:r>
-              <a:rPr lang="en-US" altLang="ko-KR" sz="2000" dirty="0"/>
-              <a:t>(</a:t>
-            </a:r>
-            <a:r>
-              <a:rPr lang="ko-KR" altLang="en-US" sz="2000" dirty="0"/>
-              <a:t>터미널 내에서</a:t>
-            </a:r>
-            <a:r>
-              <a:rPr lang="en-US" altLang="ko-KR" sz="2000" dirty="0"/>
-              <a:t>) </a:t>
-            </a:r>
-            <a:r>
-              <a:rPr lang="ko-KR" altLang="en-US" sz="2000" dirty="0"/>
-              <a:t>사용자 전환</a:t>
-            </a:r>
-            <a:endParaRPr lang="en-US" altLang="ko-KR" sz="2000" dirty="0"/>
-          </a:p>
-          <a:p>
             <a:pPr lvl="1">
               <a:buFont typeface="Arial" panose="020B0604020202020204" pitchFamily="34" charset="0"/>
               <a:buChar char="•"/>
             </a:pPr>
             <a:r>
+              <a:rPr lang="en-US" altLang="ko-KR" sz="1300" dirty="0"/>
+              <a:t>Bash: /bin/bash</a:t>
+            </a:r>
+          </a:p>
+          <a:p>
+            <a:pPr lvl="1">
+              <a:buFont typeface="Arial" panose="020B0604020202020204" pitchFamily="34" charset="0"/>
+              <a:buChar char="•"/>
+            </a:pPr>
+            <a:r>
+              <a:rPr lang="en-US" altLang="ko-KR" sz="1300" dirty="0" err="1"/>
+              <a:t>Csh</a:t>
+            </a:r>
+            <a:r>
+              <a:rPr lang="en-US" altLang="ko-KR" sz="1300" dirty="0"/>
+              <a:t>: /bin/</a:t>
+            </a:r>
+            <a:r>
+              <a:rPr lang="en-US" altLang="ko-KR" sz="1300" dirty="0" err="1"/>
+              <a:t>csh</a:t>
+            </a:r>
+            <a:endParaRPr lang="en-US" altLang="ko-KR" sz="1300" dirty="0"/>
+          </a:p>
+          <a:p>
+            <a:pPr marL="0" indent="0"/>
+            <a:r>
+              <a:rPr lang="en-US" altLang="ko-KR" dirty="0"/>
+              <a:t>3. </a:t>
+            </a:r>
+            <a:r>
+              <a:rPr lang="en-US" altLang="ko-KR" sz="2000" dirty="0"/>
+              <a:t>(</a:t>
+            </a:r>
+            <a:r>
+              <a:rPr lang="ko-KR" altLang="en-US" sz="2000" dirty="0"/>
+              <a:t>터미널 내에서</a:t>
+            </a:r>
+            <a:r>
+              <a:rPr lang="en-US" altLang="ko-KR" sz="2000" dirty="0"/>
+              <a:t>) </a:t>
+            </a:r>
+            <a:r>
+              <a:rPr lang="ko-KR" altLang="en-US" sz="2000" dirty="0"/>
+              <a:t>사용자 전환</a:t>
+            </a:r>
+            <a:endParaRPr lang="en-US" altLang="ko-KR" sz="2000" dirty="0"/>
+          </a:p>
+          <a:p>
+            <a:pPr lvl="1">
+              <a:buFont typeface="Arial" panose="020B0604020202020204" pitchFamily="34" charset="0"/>
+              <a:buChar char="•"/>
+            </a:pPr>
+            <a:r>
               <a:rPr lang="en-US" altLang="ko-KR" sz="1300" dirty="0" err="1"/>
               <a:t>su</a:t>
             </a:r>
@@ -2837,7 +3476,18 @@
               <a:rPr lang="ko-KR" altLang="en-US" sz="2000" dirty="0"/>
               <a:t>로그인 사용자로 복귀</a:t>
             </a:r>
-            <a:endParaRPr lang="en-US" altLang="ko-KR" sz="2000" dirty="0"/>
+            <a:r>
+              <a:rPr lang="en-US" altLang="ko-KR" sz="2000" dirty="0"/>
+              <a:t>(=</a:t>
+            </a:r>
+            <a:r>
+              <a:rPr lang="ko-KR" altLang="en-US" sz="2000" dirty="0"/>
+              <a:t>현재 사용자 로그아웃</a:t>
+            </a:r>
+            <a:r>
+              <a:rPr lang="en-US" altLang="ko-KR" sz="2000" dirty="0"/>
+              <a:t>)</a:t>
+            </a:r>
           </a:p>
           <a:p>
             <a:pPr lvl="1">
@@ -2967,6 +3617,14 @@
               <a:rPr lang="ko-KR" altLang="en-US" sz="2000" dirty="0"/>
               <a:t>계정 생성시 사용자 셸 지정</a:t>
             </a:r>
+            <a:r>
+              <a:rPr lang="en-US" altLang="ko-KR" sz="2000" dirty="0"/>
+              <a:t>: </a:t>
+            </a:r>
+            <a:r>
+              <a:rPr lang="ko-KR" altLang="en-US" sz="2000" dirty="0"/>
+              <a:t>관리자</a:t>
+            </a:r>
             <a:endParaRPr lang="en-US" altLang="ko-KR" sz="2000" dirty="0"/>
           </a:p>
           <a:p>
@@ -3026,8 +3684,13 @@
             </a:r>
             <a:r>
               <a:rPr lang="en-US" altLang="ko-KR" sz="2000" dirty="0"/>
-              <a:t>)</a:t>
-            </a:r>
+              <a:t>): </a:t>
+            </a:r>
+            <a:r>
+              <a:rPr lang="ko-KR" altLang="en-US" sz="2000" dirty="0"/>
+              <a:t>유저</a:t>
+            </a:r>
+            <a:endParaRPr lang="en-US" altLang="ko-KR" sz="2000" dirty="0"/>
           </a:p>
           <a:p>
             <a:pPr lvl="1" indent="-342900">
@@ -3036,7 +3699,7 @@
             </a:pPr>
             <a:r>
               <a:rPr lang="en-US" altLang="ko-KR" sz="1300" dirty="0" err="1"/>
-              <a:t>chsh</a:t>
+              <a:t>Chsh</a:t>
             </a:r>
             <a:r>
               <a:rPr lang="ko-KR" altLang="en-US" sz="1300" dirty="0"/>
@@ -3106,6 +3769,14 @@
             <a:r>
               <a:rPr lang="ko-KR" altLang="en-US" sz="2000" dirty="0"/>
               <a:t>로그인 후 사용자 사용 셸 변경</a:t>
+            </a:r>
+            <a:r>
+              <a:rPr lang="en-US" altLang="ko-KR" sz="2000" dirty="0"/>
+              <a:t>: </a:t>
+            </a:r>
+            <a:r>
+              <a:rPr lang="ko-KR" altLang="en-US" sz="2000" dirty="0"/>
+              <a:t>유저</a:t>
             </a:r>
             <a:endParaRPr lang="en-US" altLang="ko-KR" sz="2000" dirty="0"/>
           </a:p>
@@ -3350,11 +4021,19 @@
               <a:buChar char="•"/>
             </a:pPr>
             <a:r>
-              <a:rPr lang="en-US" altLang="ko-KR" sz="1300" dirty="0"/>
+              <a:rPr lang="en-US" altLang="ko-KR" sz="1300" b="1" dirty="0">
+                <a:solidFill>
+                  <a:srgbClr val="FF0000"/>
+                </a:solidFill>
+              </a:rPr>
               <a:t>.</a:t>
             </a:r>
             <a:r>
-              <a:rPr lang="en-US" altLang="ko-KR" sz="1300" dirty="0" err="1"/>
+              <a:rPr lang="en-US" altLang="ko-KR" sz="1300" b="1" dirty="0" err="1">
+                <a:solidFill>
+                  <a:srgbClr val="FF0000"/>
+                </a:solidFill>
+              </a:rPr>
               <a:t>bashrc</a:t>
             </a:r>
             <a:r>
@@ -3436,14 +4115,26 @@
               <a:buChar char="•"/>
             </a:pPr>
             <a:r>
-              <a:rPr lang="en-US" altLang="ko-KR" sz="1300" dirty="0"/>
+              <a:rPr lang="en-US" altLang="ko-KR" sz="1300" b="1" dirty="0">
+                <a:solidFill>
+                  <a:srgbClr val="FF0000"/>
+                </a:solidFill>
+              </a:rPr>
               <a:t>.</a:t>
             </a:r>
             <a:r>
-              <a:rPr lang="en-US" altLang="ko-KR" sz="1300" dirty="0" err="1"/>
+              <a:rPr lang="en-US" altLang="ko-KR" sz="1300" b="1" dirty="0" err="1">
+                <a:solidFill>
+                  <a:srgbClr val="FF0000"/>
+                </a:solidFill>
+              </a:rPr>
               <a:t>cshrc</a:t>
             </a:r>
-            <a:endParaRPr lang="en-US" altLang="ko-KR" sz="1300" dirty="0"/>
+            <a:endParaRPr lang="en-US" altLang="ko-KR" sz="1300" b="1" dirty="0">
+              <a:solidFill>
+                <a:srgbClr val="FF0000"/>
+              </a:solidFill>
+            </a:endParaRPr>
           </a:p>
           <a:p>
             <a:pPr marL="857250" lvl="1" indent="-457200">
@@ -3466,7 +4157,7 @@
             </a:pPr>
             <a:r>
               <a:rPr lang="ko-KR" altLang="en-US" sz="2000" dirty="0"/>
-              <a:t>여러 사용자의 </a:t>
+              <a:t>관리자가 여러 사용자의 </a:t>
             </a:r>
             <a:r>
               <a:rPr lang="en-US" altLang="ko-KR" sz="2000" dirty="0"/>
@@ -3476,7 +4167,18 @@
               <a:rPr lang="ko-KR" altLang="en-US" sz="2000" dirty="0"/>
               <a:t>을 일괄적으로 컨트롤</a:t>
             </a:r>
-            <a:endParaRPr lang="en-US" altLang="ko-KR" sz="2000" dirty="0"/>
+            <a:r>
+              <a:rPr lang="en-US" altLang="ko-KR" sz="2000" dirty="0"/>
+              <a:t>(</a:t>
+            </a:r>
+            <a:r>
+              <a:rPr lang="ko-KR" altLang="en-US" sz="2000" dirty="0"/>
+              <a:t>공통 사용 환경 지정</a:t>
+            </a:r>
+            <a:r>
+              <a:rPr lang="en-US" altLang="ko-KR" sz="2000" dirty="0"/>
+              <a:t>)</a:t>
+            </a:r>
           </a:p>
           <a:p>
             <a:pPr marL="857250" lvl="1" indent="-457200">
@@ -3690,8 +4392,21 @@
             </a:pPr>
             <a:r>
               <a:rPr lang="en-US" altLang="ko-KR" sz="2000" dirty="0"/>
-              <a:t>Coding</a:t>
-            </a:r>
+              <a:t>Coding: </a:t>
+            </a:r>
+            <a:r>
+              <a:rPr lang="ko-KR" altLang="en-US" sz="2000" dirty="0"/>
+              <a:t>각 </a:t>
+            </a:r>
+            <a:r>
+              <a:rPr lang="en-US" altLang="ko-KR" sz="2000" dirty="0"/>
+              <a:t>Shell</a:t>
+            </a:r>
+            <a:r>
+              <a:rPr lang="ko-KR" altLang="en-US" sz="2000" dirty="0"/>
+              <a:t>의 문법에 맞는 스크립트를 작성</a:t>
+            </a:r>
+            <a:endParaRPr lang="en-US" altLang="ko-KR" sz="2000" dirty="0"/>
           </a:p>
           <a:p>
             <a:pPr marL="457200" indent="-457200">
@@ -3910,7 +4625,7 @@
           <p:cNvPr id="2" name="Title 1">
             <a:extLst>
               <a:ext uri="{FF2B5EF4-FFF2-40B4-BE49-F238E27FC236}">
-                <a16:creationId xmlns:a16="http://schemas.microsoft.com/office/drawing/2014/main" id="{3F97A1E5-C9F9-423E-8198-8C81F762A5D1}"/>
+                <a16:creationId xmlns:a16="http://schemas.microsoft.com/office/drawing/2014/main" id="{C45ED5A2-251F-8E47-16B9-30AFF1FCE19B}"/>
               </a:ext>
             </a:extLst>
           </p:cNvPr>
@@ -3927,13 +4642,14 @@
           <a:lstStyle/>
           <a:p>
             <a:r>
-              <a:rPr lang="en-US" altLang="ko-KR" dirty="0"/>
+              <a:rPr lang="en-US" dirty="0"/>
               <a:t>5. </a:t>
             </a:r>
             <a:r>
               <a:rPr lang="ko-KR" altLang="en-US" dirty="0"/>
-              <a:t>소유자 변경</a:t>
-            </a:r>
+              <a:t>다중 셸 사용</a:t>
+            </a:r>
+            <a:endParaRPr lang="en-US" dirty="0"/>
           </a:p>
         </p:txBody>
       </p:sp>
@@ -3942,7 +4658,7 @@
           <p:cNvPr id="3" name="Text Placeholder 2">
             <a:extLst>
               <a:ext uri="{FF2B5EF4-FFF2-40B4-BE49-F238E27FC236}">
-                <a16:creationId xmlns:a16="http://schemas.microsoft.com/office/drawing/2014/main" id="{E49B50CA-A0E3-41BA-935E-07FDF21D578C}"/>
+                <a16:creationId xmlns:a16="http://schemas.microsoft.com/office/drawing/2014/main" id="{1320B267-1753-C0A9-7F21-5FE18AFDACC1}"/>
               </a:ext>
             </a:extLst>
           </p:cNvPr>
@@ -3953,86 +4669,202 @@
             <p:ph type="body" sz="quarter" idx="13"/>
           </p:nvPr>
         </p:nvSpPr>
-        <p:spPr>
-          <a:xfrm>
-            <a:off x="395536" y="1196752"/>
-            <a:ext cx="8352928" cy="4536504"/>
-          </a:xfrm>
-          <a:ln w="38100">
-            <a:solidFill>
-              <a:schemeClr val="accent2">
-                <a:lumMod val="75000"/>
-              </a:schemeClr>
-            </a:solidFill>
-          </a:ln>
-        </p:spPr>
+        <p:spPr/>
         <p:txBody>
           <a:bodyPr/>
           <a:lstStyle/>
           <a:p>
             <a:pPr marL="457200" indent="-457200">
+              <a:buAutoNum type="arabicPeriod"/>
+            </a:pPr>
+            <a:r>
+              <a:rPr lang="ko-KR" altLang="en-US" dirty="0"/>
+              <a:t>셸의 적용 계층구조</a:t>
+            </a:r>
+            <a:r>
+              <a:rPr lang="en-US" altLang="ko-KR" dirty="0"/>
+              <a:t>(</a:t>
+            </a:r>
+            <a:r>
+              <a:rPr lang="ko-KR" altLang="en-US" dirty="0"/>
+              <a:t>우선순위</a:t>
+            </a:r>
+            <a:r>
+              <a:rPr lang="en-US" altLang="ko-KR" dirty="0"/>
+              <a:t>): </a:t>
+            </a:r>
+            <a:r>
+              <a:rPr lang="ko-KR" altLang="en-US" u="sng" dirty="0"/>
+              <a:t>개별 셸이 우선</a:t>
+            </a:r>
+            <a:r>
+              <a:rPr lang="ko-KR" altLang="en-US" dirty="0"/>
+              <a:t>한다</a:t>
+            </a:r>
+            <a:endParaRPr lang="en-US" altLang="ko-KR" dirty="0"/>
+          </a:p>
+          <a:p>
+            <a:pPr marL="857250" lvl="1" indent="-457200">
+              <a:buFont typeface="+mj-lt"/>
+              <a:buAutoNum type="arabicPeriod"/>
+            </a:pPr>
+            <a:r>
+              <a:rPr lang="ko-KR" altLang="en-US" dirty="0"/>
+              <a:t>공통 설정 셸</a:t>
+            </a:r>
+            <a:r>
+              <a:rPr lang="en-US" altLang="ko-KR" dirty="0"/>
+              <a:t>(/</a:t>
+            </a:r>
+            <a:r>
+              <a:rPr lang="en-US" altLang="ko-KR" dirty="0" err="1"/>
+              <a:t>etc</a:t>
+            </a:r>
+            <a:r>
+              <a:rPr lang="en-US" altLang="ko-KR" dirty="0"/>
+              <a:t>/</a:t>
+            </a:r>
+            <a:r>
+              <a:rPr lang="en-US" altLang="ko-KR" dirty="0" err="1"/>
+              <a:t>bashrc</a:t>
+            </a:r>
+            <a:r>
+              <a:rPr lang="en-US" altLang="ko-KR" dirty="0"/>
+              <a:t>, /</a:t>
+            </a:r>
+            <a:r>
+              <a:rPr lang="en-US" altLang="ko-KR" dirty="0" err="1"/>
+              <a:t>etc</a:t>
+            </a:r>
+            <a:r>
+              <a:rPr lang="en-US" altLang="ko-KR" dirty="0"/>
+              <a:t>/</a:t>
+            </a:r>
+            <a:r>
+              <a:rPr lang="en-US" altLang="ko-KR" dirty="0" err="1"/>
+              <a:t>csh.cshrc</a:t>
+            </a:r>
+            <a:r>
+              <a:rPr lang="en-US" altLang="ko-KR" dirty="0"/>
+              <a:t>)</a:t>
+            </a:r>
+          </a:p>
+          <a:p>
+            <a:pPr marL="857250" lvl="1" indent="-457200">
+              <a:buFont typeface="+mj-lt"/>
+              <a:buAutoNum type="arabicPeriod"/>
+            </a:pPr>
+            <a:r>
+              <a:rPr lang="ko-KR" altLang="en-US" dirty="0"/>
+              <a:t>숨김 설정 셸</a:t>
+            </a:r>
+            <a:r>
+              <a:rPr lang="en-US" altLang="ko-KR" dirty="0"/>
+              <a:t>(.</a:t>
+            </a:r>
+            <a:r>
+              <a:rPr lang="en-US" altLang="ko-KR" dirty="0" err="1"/>
+              <a:t>bashrc</a:t>
+            </a:r>
+            <a:r>
+              <a:rPr lang="en-US" altLang="ko-KR" dirty="0"/>
+              <a:t>, .</a:t>
+            </a:r>
+            <a:r>
+              <a:rPr lang="en-US" altLang="ko-KR" dirty="0" err="1"/>
+              <a:t>cshrc</a:t>
+            </a:r>
+            <a:r>
+              <a:rPr lang="en-US" altLang="ko-KR" dirty="0"/>
+              <a:t>)</a:t>
+            </a:r>
+          </a:p>
+          <a:p>
+            <a:pPr marL="857250" lvl="1" indent="-457200">
+              <a:buFont typeface="+mj-lt"/>
+              <a:buAutoNum type="arabicPeriod"/>
+            </a:pPr>
+            <a:r>
+              <a:rPr lang="ko-KR" altLang="en-US" dirty="0"/>
+              <a:t>개별설정 셸</a:t>
+            </a:r>
+            <a:r>
+              <a:rPr lang="en-US" altLang="ko-KR" dirty="0"/>
+              <a:t>({name}.</a:t>
+            </a:r>
+            <a:r>
+              <a:rPr lang="en-US" altLang="ko-KR" dirty="0" err="1"/>
+              <a:t>bashrc</a:t>
+            </a:r>
+            <a:r>
+              <a:rPr lang="en-US" altLang="ko-KR" dirty="0"/>
+              <a:t>,</a:t>
+            </a:r>
+            <a:r>
+              <a:rPr lang="ko-KR" altLang="en-US" dirty="0"/>
+              <a:t> </a:t>
+            </a:r>
+            <a:r>
+              <a:rPr lang="en-US" altLang="ko-KR" dirty="0"/>
+              <a:t>{name}.</a:t>
+            </a:r>
+            <a:r>
+              <a:rPr lang="en-US" altLang="ko-KR" dirty="0" err="1"/>
+              <a:t>cshrc</a:t>
+            </a:r>
+            <a:r>
+              <a:rPr lang="en-US" altLang="ko-KR" dirty="0"/>
+              <a:t>): </a:t>
+            </a:r>
+            <a:r>
+              <a:rPr lang="ko-KR" altLang="en-US" dirty="0"/>
+              <a:t>가장 우선 적용</a:t>
+            </a:r>
+            <a:endParaRPr lang="en-US" altLang="ko-KR" dirty="0"/>
+          </a:p>
+          <a:p>
+            <a:pPr marL="1257300" lvl="2" indent="-457200">
               <a:buFont typeface="Arial" panose="020B0604020202020204" pitchFamily="34" charset="0"/>
               <a:buChar char="•"/>
             </a:pPr>
             <a:r>
-              <a:rPr lang="en-US" altLang="ko-KR" sz="2400" dirty="0" err="1">
-                <a:solidFill>
-                  <a:schemeClr val="tx1"/>
-                </a:solidFill>
-              </a:rPr>
-              <a:t>chown</a:t>
-            </a:r>
-            <a:r>
-              <a:rPr lang="en-US" altLang="ko-KR" sz="2400" dirty="0">
-                <a:solidFill>
-                  <a:schemeClr val="tx1"/>
-                </a:solidFill>
-              </a:rPr>
-              <a:t> [option]</a:t>
-            </a:r>
-            <a:r>
-              <a:rPr lang="ko-KR" altLang="en-US" sz="2400" dirty="0">
-                <a:solidFill>
-                  <a:schemeClr val="tx1"/>
-                </a:solidFill>
-              </a:rPr>
-              <a:t> </a:t>
-            </a:r>
-            <a:r>
-              <a:rPr lang="en-US" altLang="ko-KR" sz="2400" dirty="0">
-                <a:solidFill>
-                  <a:schemeClr val="tx1"/>
-                </a:solidFill>
-              </a:rPr>
-              <a:t>[</a:t>
-            </a:r>
-            <a:r>
-              <a:rPr lang="en-US" altLang="ko-KR" sz="2400" dirty="0" err="1">
-                <a:solidFill>
-                  <a:schemeClr val="tx1"/>
-                </a:solidFill>
-              </a:rPr>
-              <a:t>user:group</a:t>
-            </a:r>
-            <a:r>
-              <a:rPr lang="en-US" altLang="ko-KR" sz="2400" dirty="0">
-                <a:solidFill>
-                  <a:schemeClr val="tx1"/>
-                </a:solidFill>
-              </a:rPr>
-              <a:t>] [file or directory]</a:t>
-            </a:r>
-          </a:p>
-          <a:p>
-            <a:pPr marL="0" indent="0"/>
-            <a:r>
-              <a:rPr lang="en-US" altLang="ko-KR" sz="2400" dirty="0">
-                <a:solidFill>
-                  <a:schemeClr val="tx1"/>
-                </a:solidFill>
-              </a:rPr>
-              <a:t>: change file owner and group</a:t>
-            </a:r>
+              <a:rPr lang="en-US" altLang="ko-KR" dirty="0"/>
+              <a:t>Source</a:t>
+            </a:r>
+            <a:r>
+              <a:rPr lang="ko-KR" altLang="en-US" dirty="0"/>
+              <a:t>해야만 적용이 됨</a:t>
+            </a:r>
+            <a:endParaRPr lang="en-US" altLang="ko-KR" dirty="0"/>
+          </a:p>
+          <a:p>
+            <a:pPr marL="1257300" lvl="2" indent="-457200">
+              <a:buFont typeface="Arial" panose="020B0604020202020204" pitchFamily="34" charset="0"/>
+              <a:buChar char="•"/>
+            </a:pPr>
+            <a:r>
+              <a:rPr lang="ko-KR" altLang="en-US" dirty="0"/>
+              <a:t>여러 개의 설정 셸을 가질 수 있음</a:t>
+            </a:r>
+            <a:endParaRPr lang="en-US" altLang="ko-KR" dirty="0"/>
+          </a:p>
+          <a:p>
+            <a:pPr marL="1257300" lvl="2" indent="-457200">
+              <a:buFont typeface="Arial" panose="020B0604020202020204" pitchFamily="34" charset="0"/>
+              <a:buChar char="•"/>
+            </a:pPr>
+            <a:endParaRPr lang="en-US" altLang="ko-KR" dirty="0"/>
+          </a:p>
+          <a:p>
+            <a:pPr marL="457200" indent="-457200">
+              <a:buFont typeface="+mj-lt"/>
+              <a:buAutoNum type="arabicPeriod"/>
+            </a:pPr>
+            <a:r>
+              <a:rPr lang="ko-KR" altLang="en-US" dirty="0"/>
+              <a:t>개별 설정 셸의 다중 적용</a:t>
+            </a:r>
+            <a:endParaRPr lang="en-US" altLang="ko-KR" dirty="0"/>
           </a:p>
           <a:p>
             <a:pPr marL="857250" lvl="1" indent="-457200">
@@ -4040,34 +4872,133 @@
               <a:buChar char="•"/>
             </a:pPr>
             <a:r>
-              <a:rPr lang="en-US" altLang="ko-KR" sz="1700" dirty="0">
-                <a:solidFill>
-                  <a:schemeClr val="tx1"/>
-                </a:solidFill>
-              </a:rPr>
-              <a:t>Option</a:t>
-            </a:r>
-          </a:p>
-          <a:p>
-            <a:pPr marL="1257300" lvl="2" indent="-457200">
+              <a:rPr lang="ko-KR" altLang="en-US" dirty="0"/>
+              <a:t> 개인 설정 숨김 셸</a:t>
+            </a:r>
+            <a:r>
+              <a:rPr lang="en-US" altLang="ko-KR" dirty="0"/>
+              <a:t>(.</a:t>
+            </a:r>
+            <a:r>
+              <a:rPr lang="en-US" altLang="ko-KR" dirty="0" err="1"/>
+              <a:t>bashrc</a:t>
+            </a:r>
+            <a:r>
+              <a:rPr lang="en-US" altLang="ko-KR" dirty="0"/>
+              <a:t>/.</a:t>
+            </a:r>
+            <a:r>
+              <a:rPr lang="en-US" altLang="ko-KR" dirty="0" err="1"/>
+              <a:t>cshrc</a:t>
+            </a:r>
+            <a:r>
+              <a:rPr lang="en-US" altLang="ko-KR" dirty="0"/>
+              <a:t>)</a:t>
+            </a:r>
+            <a:r>
+              <a:rPr lang="ko-KR" altLang="en-US" dirty="0"/>
+              <a:t>에 </a:t>
+            </a:r>
+            <a:r>
+              <a:rPr lang="en-US" altLang="ko-KR" dirty="0"/>
+              <a:t>source</a:t>
+            </a:r>
+            <a:r>
+              <a:rPr lang="ko-KR" altLang="en-US" dirty="0"/>
+              <a:t>하여 사용한다</a:t>
+            </a:r>
+            <a:r>
+              <a:rPr lang="en-US" altLang="ko-KR" dirty="0"/>
+              <a:t>.</a:t>
+            </a:r>
+          </a:p>
+          <a:p>
+            <a:pPr marL="857250" lvl="1" indent="-457200">
               <a:buFont typeface="Arial" panose="020B0604020202020204" pitchFamily="34" charset="0"/>
               <a:buChar char="•"/>
             </a:pPr>
-            <a:r>
-              <a:rPr lang="en-US" altLang="ko-KR" sz="1700" dirty="0">
-                <a:solidFill>
-                  <a:schemeClr val="tx1"/>
-                </a:solidFill>
-              </a:rPr>
-              <a:t>R: </a:t>
-            </a:r>
+            <a:endParaRPr lang="en-US" altLang="ko-KR" dirty="0"/>
+          </a:p>
+          <a:p>
+            <a:pPr marL="457200" indent="-457200">
+              <a:buFont typeface="+mj-lt"/>
+              <a:buAutoNum type="arabicPeriod"/>
+            </a:pPr>
+            <a:r>
+              <a:rPr lang="en-US" altLang="ko-KR" dirty="0" err="1"/>
+              <a:t>Sh</a:t>
+            </a:r>
+            <a:r>
+              <a:rPr lang="ko-KR" altLang="en-US" dirty="0"/>
+              <a:t>파일과 </a:t>
+            </a:r>
+            <a:r>
+              <a:rPr lang="en-US" altLang="ko-KR" dirty="0"/>
+              <a:t>.</a:t>
+            </a:r>
+            <a:r>
+              <a:rPr lang="en-US" altLang="ko-KR" dirty="0" err="1"/>
+              <a:t>bashrc</a:t>
+            </a:r>
+            <a:r>
+              <a:rPr lang="ko-KR" altLang="en-US" dirty="0"/>
+              <a:t> </a:t>
+            </a:r>
+            <a:r>
+              <a:rPr lang="en-US" altLang="ko-KR" dirty="0"/>
+              <a:t>/</a:t>
+            </a:r>
+            <a:r>
+              <a:rPr lang="ko-KR" altLang="en-US" dirty="0"/>
+              <a:t> </a:t>
+            </a:r>
+            <a:r>
+              <a:rPr lang="en-US" altLang="ko-KR" dirty="0"/>
+              <a:t>.</a:t>
+            </a:r>
+            <a:r>
+              <a:rPr lang="en-US" altLang="ko-KR" dirty="0" err="1"/>
+              <a:t>cshrc</a:t>
+            </a:r>
+            <a:r>
+              <a:rPr lang="ko-KR" altLang="en-US" dirty="0"/>
+              <a:t>파일의 차이</a:t>
+            </a:r>
+            <a:endParaRPr lang="en-US" altLang="ko-KR" dirty="0"/>
+          </a:p>
+          <a:p>
+            <a:pPr marL="857250" lvl="1" indent="-457200">
+              <a:buFont typeface="Arial" panose="020B0604020202020204" pitchFamily="34" charset="0"/>
+              <a:buChar char="•"/>
+            </a:pPr>
+            <a:r>
+              <a:rPr lang="en-US" altLang="ko-KR" dirty="0" err="1"/>
+              <a:t>Sh</a:t>
+            </a:r>
+            <a:r>
+              <a:rPr lang="en-US" altLang="ko-KR" dirty="0"/>
+              <a:t> </a:t>
+            </a:r>
+            <a:r>
+              <a:rPr lang="ko-KR" altLang="en-US" dirty="0"/>
+              <a:t>파일은 파일 내의 헤더</a:t>
+            </a:r>
+            <a:r>
+              <a:rPr lang="en-US" altLang="ko-KR" dirty="0"/>
+              <a:t>(#!/bin/{SHELL})</a:t>
+            </a:r>
+            <a:r>
+              <a:rPr lang="ko-KR" altLang="en-US" dirty="0"/>
+              <a:t>를 통해 실행 셸을 지정함</a:t>
+            </a:r>
+            <a:endParaRPr lang="en-US" altLang="ko-KR" dirty="0"/>
           </a:p>
         </p:txBody>
       </p:sp>
     </p:spTree>
     <p:extLst>
       <p:ext uri="{BB962C8B-B14F-4D97-AF65-F5344CB8AC3E}">
-        <p14:creationId xmlns:p14="http://schemas.microsoft.com/office/powerpoint/2010/main" val="2248770096"/>
+        <p14:creationId xmlns:p14="http://schemas.microsoft.com/office/powerpoint/2010/main" val="1858959954"/>
       </p:ext>
     </p:extLst>
   </p:cSld>
@@ -4121,13 +5052,8 @@
             </a:r>
             <a:r>
               <a:rPr lang="ko-KR" altLang="en-US" dirty="0"/>
-              <a:t>권한</a:t>
-            </a:r>
-            <a:r>
-              <a:rPr lang="en-US" altLang="ko-KR" dirty="0"/>
-              <a:t>(Permission)</a:t>
-            </a:r>
-            <a:endParaRPr lang="ko-KR" altLang="en-US" dirty="0"/>
+              <a:t>소유자 변경</a:t>
+            </a:r>
           </a:p>
         </p:txBody>
       </p:sp>
@@ -4165,152 +5091,103 @@
           <a:lstStyle/>
           <a:p>
             <a:pPr marL="457200" indent="-457200">
-              <a:buFont typeface="+mj-lt"/>
-              <a:buAutoNum type="arabicPeriod"/>
-            </a:pPr>
-            <a:r>
-              <a:rPr lang="en-US" altLang="ko-KR" sz="2400" dirty="0" err="1">
-                <a:solidFill>
-                  <a:schemeClr val="tx1"/>
-                </a:solidFill>
-              </a:rPr>
-              <a:t>rwx</a:t>
-            </a:r>
-            <a:r>
-              <a:rPr lang="en-US" altLang="ko-KR" sz="2400" dirty="0">
-                <a:solidFill>
-                  <a:schemeClr val="tx1"/>
-                </a:solidFill>
-              </a:rPr>
-              <a:t>?</a:t>
-            </a:r>
-          </a:p>
-          <a:p>
-            <a:pPr marL="685800" lvl="1">
               <a:buFont typeface="Arial" panose="020B0604020202020204" pitchFamily="34" charset="0"/>
               <a:buChar char="•"/>
             </a:pPr>
             <a:r>
-              <a:rPr lang="en-US" altLang="ko-KR" sz="2000" dirty="0">
+              <a:rPr lang="en-US" altLang="ko-KR" sz="2400" dirty="0" err="1">
                 <a:solidFill>
                   <a:schemeClr val="tx1"/>
                 </a:solidFill>
               </a:rPr>
-              <a:t>r:</a:t>
-            </a:r>
-          </a:p>
-          <a:p>
-            <a:pPr marL="685800" lvl="1">
+              <a:t>chown</a:t>
+            </a:r>
+            <a:r>
+              <a:rPr lang="en-US" altLang="ko-KR" sz="2400" dirty="0">
+                <a:solidFill>
+                  <a:schemeClr val="tx1"/>
+                </a:solidFill>
+              </a:rPr>
+              <a:t> [option]</a:t>
+            </a:r>
+            <a:r>
+              <a:rPr lang="ko-KR" altLang="en-US" sz="2400" dirty="0">
+                <a:solidFill>
+                  <a:schemeClr val="tx1"/>
+                </a:solidFill>
+              </a:rPr>
+              <a:t> </a:t>
+            </a:r>
+            <a:r>
+              <a:rPr lang="en-US" altLang="ko-KR" sz="2400" dirty="0">
+                <a:solidFill>
+                  <a:schemeClr val="tx1"/>
+                </a:solidFill>
+              </a:rPr>
+              <a:t>[</a:t>
+            </a:r>
+            <a:r>
+              <a:rPr lang="en-US" altLang="ko-KR" sz="2400" dirty="0" err="1">
+                <a:solidFill>
+                  <a:schemeClr val="tx1"/>
+                </a:solidFill>
+              </a:rPr>
+              <a:t>user:group</a:t>
+            </a:r>
+            <a:r>
+              <a:rPr lang="en-US" altLang="ko-KR" sz="2400" dirty="0">
+                <a:solidFill>
+                  <a:schemeClr val="tx1"/>
+                </a:solidFill>
+              </a:rPr>
+              <a:t>] [file or directory]</a:t>
+            </a:r>
+          </a:p>
+          <a:p>
+            <a:pPr marL="0" indent="0"/>
+            <a:r>
+              <a:rPr lang="en-US" altLang="ko-KR" sz="2400" dirty="0">
+                <a:solidFill>
+                  <a:schemeClr val="tx1"/>
+                </a:solidFill>
+              </a:rPr>
+              <a:t>: change file owner and group</a:t>
+            </a:r>
+          </a:p>
+          <a:p>
+            <a:pPr marL="857250" lvl="1" indent="-457200">
               <a:buFont typeface="Arial" panose="020B0604020202020204" pitchFamily="34" charset="0"/>
               <a:buChar char="•"/>
             </a:pPr>
             <a:r>
-              <a:rPr lang="en-US" altLang="ko-KR" sz="2000" dirty="0">
+              <a:rPr lang="en-US" altLang="ko-KR" sz="1700" dirty="0">
                 <a:solidFill>
                   <a:schemeClr val="tx1"/>
                 </a:solidFill>
               </a:rPr>
-              <a:t>w:</a:t>
-            </a:r>
-          </a:p>
-          <a:p>
-            <a:pPr marL="685800" lvl="1">
+              <a:t>Option</a:t>
+            </a:r>
+          </a:p>
+          <a:p>
+            <a:pPr marL="1257300" lvl="2" indent="-457200">
               <a:buFont typeface="Arial" panose="020B0604020202020204" pitchFamily="34" charset="0"/>
               <a:buChar char="•"/>
             </a:pPr>
             <a:r>
-              <a:rPr lang="en-US" altLang="ko-KR" sz="2000" dirty="0">
+              <a:rPr lang="en-US" altLang="ko-KR" sz="1700" dirty="0">
                 <a:solidFill>
                   <a:schemeClr val="tx1"/>
                 </a:solidFill>
               </a:rPr>
-              <a:t>x:</a:t>
-            </a:r>
-          </a:p>
-          <a:p>
-            <a:pPr marL="685800" lvl="1">
-              <a:buFont typeface="Arial" panose="020B0604020202020204" pitchFamily="34" charset="0"/>
-              <a:buChar char="•"/>
-            </a:pPr>
-            <a:endParaRPr lang="en-US" altLang="ko-KR" sz="2000" dirty="0">
-              <a:solidFill>
-                <a:schemeClr val="tx1"/>
-              </a:solidFill>
-            </a:endParaRPr>
-          </a:p>
-          <a:p>
-            <a:pPr marL="457200" indent="-514350">
-              <a:buFont typeface="+mj-lt"/>
-              <a:buAutoNum type="arabicPeriod"/>
-            </a:pPr>
-            <a:r>
-              <a:rPr lang="en-US" altLang="ko-KR" sz="2400" dirty="0">
-                <a:solidFill>
-                  <a:schemeClr val="tx1"/>
-                </a:solidFill>
-              </a:rPr>
-              <a:t>UGO?</a:t>
-            </a:r>
-          </a:p>
-          <a:p>
-            <a:pPr marL="685800" lvl="1">
-              <a:buFont typeface="Arial" panose="020B0604020202020204" pitchFamily="34" charset="0"/>
-              <a:buChar char="•"/>
-            </a:pPr>
-            <a:r>
-              <a:rPr lang="en-US" altLang="ko-KR" sz="2000" dirty="0">
-                <a:solidFill>
-                  <a:schemeClr val="tx1"/>
-                </a:solidFill>
-              </a:rPr>
-              <a:t>u:</a:t>
-            </a:r>
-          </a:p>
-          <a:p>
-            <a:pPr marL="685800" lvl="1">
-              <a:buFont typeface="Arial" panose="020B0604020202020204" pitchFamily="34" charset="0"/>
-              <a:buChar char="•"/>
-            </a:pPr>
-            <a:r>
-              <a:rPr lang="en-US" altLang="ko-KR" sz="2000" dirty="0">
-                <a:solidFill>
-                  <a:schemeClr val="tx1"/>
-                </a:solidFill>
-              </a:rPr>
-              <a:t>g:</a:t>
-            </a:r>
-          </a:p>
-          <a:p>
-            <a:pPr marL="685800" lvl="1">
-              <a:buFont typeface="Arial" panose="020B0604020202020204" pitchFamily="34" charset="0"/>
-              <a:buChar char="•"/>
-            </a:pPr>
-            <a:r>
-              <a:rPr lang="en-US" altLang="ko-KR" sz="2000" dirty="0">
-                <a:solidFill>
-                  <a:schemeClr val="tx1"/>
-                </a:solidFill>
-              </a:rPr>
-              <a:t>o:</a:t>
-            </a:r>
-          </a:p>
-          <a:p>
-            <a:pPr marL="685800" lvl="1">
-              <a:buFont typeface="Arial" panose="020B0604020202020204" pitchFamily="34" charset="0"/>
-              <a:buChar char="•"/>
-            </a:pPr>
-            <a:endParaRPr lang="en-US" altLang="ko-KR" sz="2000" dirty="0">
-              <a:solidFill>
-                <a:schemeClr val="tx1"/>
-              </a:solidFill>
-            </a:endParaRPr>
+              <a:t>R: </a:t>
+            </a:r>
           </a:p>
         </p:txBody>
       </p:sp>
     </p:spTree>
     <p:extLst>
       <p:ext uri="{BB962C8B-B14F-4D97-AF65-F5344CB8AC3E}">
-        <p14:creationId xmlns:p14="http://schemas.microsoft.com/office/powerpoint/2010/main" val="162892765"/>
+        <p14:creationId xmlns:p14="http://schemas.microsoft.com/office/powerpoint/2010/main" val="2248770096"/>
       </p:ext>
     </p:extLst>
   </p:cSld>

--- a/portfolio/Linux_OS_System_2022_1_s6.pptx
+++ b/portfolio/Linux_OS_System_2022_1_s6.pptx
@@ -238,7 +238,7 @@
             <a:fld id="{1F80A561-A35E-4C07-B113-AEE55C239B70}" type="datetimeFigureOut">
               <a:rPr lang="ko-KR" altLang="en-US" smtClean="0"/>
               <a:pPr/>
-              <a:t>2022-05-27</a:t>
+              <a:t>2022-05-30</a:t>
             </a:fld>
             <a:endParaRPr lang="ko-KR" altLang="en-US"/>
           </a:p>
@@ -405,7 +405,7 @@
             <a:fld id="{FB545AC5-813F-4ED1-B011-8EA17CB93331}" type="datetimeFigureOut">
               <a:rPr lang="ko-KR" altLang="en-US" smtClean="0"/>
               <a:pPr/>
-              <a:t>2022-05-27</a:t>
+              <a:t>2022-05-30</a:t>
             </a:fld>
             <a:endParaRPr lang="ko-KR" altLang="en-US"/>
           </a:p>
@@ -573,6 +573,11 @@
         </p:txBody>
       </p:sp>
     </p:spTree>
+    <p:extLst>
+      <p:ext uri="{BB962C8B-B14F-4D97-AF65-F5344CB8AC3E}">
+        <p14:creationId xmlns:p14="http://schemas.microsoft.com/office/powerpoint/2010/main" val="3485483546"/>
+      </p:ext>
+    </p:extLst>
   </p:cSld>
   <p:clrMap bg1="lt1" tx1="dk1" bg2="lt2" tx2="dk2" accent1="accent1" accent2="accent2" accent3="accent3" accent4="accent4" accent5="accent5" accent6="accent6" hlink="hlink" folHlink="folHlink"/>
   <p:notesStyle>
@@ -745,6 +750,11 @@
         </p:txBody>
       </p:sp>
     </p:spTree>
+    <p:extLst>
+      <p:ext uri="{BB962C8B-B14F-4D97-AF65-F5344CB8AC3E}">
+        <p14:creationId xmlns:p14="http://schemas.microsoft.com/office/powerpoint/2010/main" val="3988743878"/>
+      </p:ext>
+    </p:extLst>
   </p:cSld>
   <p:clrMapOvr>
     <a:masterClrMapping/>
@@ -944,7 +954,7 @@
             <a:fld id="{ED3D6733-6F27-4404-AB51-585418F146E5}" type="datetimeFigureOut">
               <a:rPr lang="ko-KR" altLang="en-US" smtClean="0"/>
               <a:pPr/>
-              <a:t>2022-05-27</a:t>
+              <a:t>2022-05-30</a:t>
             </a:fld>
             <a:endParaRPr lang="ko-KR" altLang="en-US"/>
           </a:p>
@@ -1356,7 +1366,7 @@
             <a:fld id="{ED3D6733-6F27-4404-AB51-585418F146E5}" type="datetimeFigureOut">
               <a:rPr lang="ko-KR" altLang="en-US" smtClean="0"/>
               <a:pPr/>
-              <a:t>2022-05-27</a:t>
+              <a:t>2022-05-30</a:t>
             </a:fld>
             <a:endParaRPr lang="ko-KR" altLang="en-US"/>
           </a:p>
@@ -1549,7 +1559,7 @@
             <a:fld id="{ED3D6733-6F27-4404-AB51-585418F146E5}" type="datetimeFigureOut">
               <a:rPr lang="ko-KR" altLang="en-US" smtClean="0"/>
               <a:pPr/>
-              <a:t>2022-05-27</a:t>
+              <a:t>2022-05-30</a:t>
             </a:fld>
             <a:endParaRPr lang="ko-KR" altLang="en-US"/>
           </a:p>
@@ -2048,7 +2058,7 @@
           <p:cNvPr id="2" name="Title 1">
             <a:extLst>
               <a:ext uri="{FF2B5EF4-FFF2-40B4-BE49-F238E27FC236}">
-                <a16:creationId xmlns:a16="http://schemas.microsoft.com/office/drawing/2014/main" id="{3F97A1E5-C9F9-423E-8198-8C81F762A5D1}"/>
+                <a16:creationId xmlns:a16="http://schemas.microsoft.com/office/drawing/2014/main" xmlns="" id="{3F97A1E5-C9F9-423E-8198-8C81F762A5D1}"/>
               </a:ext>
             </a:extLst>
           </p:cNvPr>
@@ -2085,7 +2095,7 @@
           <p:cNvPr id="3" name="Text Placeholder 2">
             <a:extLst>
               <a:ext uri="{FF2B5EF4-FFF2-40B4-BE49-F238E27FC236}">
-                <a16:creationId xmlns:a16="http://schemas.microsoft.com/office/drawing/2014/main" id="{E49B50CA-A0E3-41BA-935E-07FDF21D578C}"/>
+                <a16:creationId xmlns:a16="http://schemas.microsoft.com/office/drawing/2014/main" xmlns="" id="{E49B50CA-A0E3-41BA-935E-07FDF21D578C}"/>
               </a:ext>
             </a:extLst>
           </p:cNvPr>
@@ -2291,7 +2301,7 @@
           <p:cNvPr id="2" name="Title 1">
             <a:extLst>
               <a:ext uri="{FF2B5EF4-FFF2-40B4-BE49-F238E27FC236}">
-                <a16:creationId xmlns:a16="http://schemas.microsoft.com/office/drawing/2014/main" id="{3F97A1E5-C9F9-423E-8198-8C81F762A5D1}"/>
+                <a16:creationId xmlns:a16="http://schemas.microsoft.com/office/drawing/2014/main" xmlns="" id="{3F97A1E5-C9F9-423E-8198-8C81F762A5D1}"/>
               </a:ext>
             </a:extLst>
           </p:cNvPr>
@@ -2328,7 +2338,7 @@
           <p:cNvPr id="3" name="Text Placeholder 2">
             <a:extLst>
               <a:ext uri="{FF2B5EF4-FFF2-40B4-BE49-F238E27FC236}">
-                <a16:creationId xmlns:a16="http://schemas.microsoft.com/office/drawing/2014/main" id="{E49B50CA-A0E3-41BA-935E-07FDF21D578C}"/>
+                <a16:creationId xmlns:a16="http://schemas.microsoft.com/office/drawing/2014/main" xmlns="" id="{E49B50CA-A0E3-41BA-935E-07FDF21D578C}"/>
               </a:ext>
             </a:extLst>
           </p:cNvPr>
@@ -2602,7 +2612,7 @@
           <p:cNvPr id="2" name="Title 1">
             <a:extLst>
               <a:ext uri="{FF2B5EF4-FFF2-40B4-BE49-F238E27FC236}">
-                <a16:creationId xmlns:a16="http://schemas.microsoft.com/office/drawing/2014/main" id="{83ABC4B7-A683-A10F-D4E9-5BC1EC390EFD}"/>
+                <a16:creationId xmlns:a16="http://schemas.microsoft.com/office/drawing/2014/main" xmlns="" id="{83ABC4B7-A683-A10F-D4E9-5BC1EC390EFD}"/>
               </a:ext>
             </a:extLst>
           </p:cNvPr>
@@ -2635,7 +2645,7 @@
           <p:cNvPr id="3" name="Text Placeholder 2">
             <a:extLst>
               <a:ext uri="{FF2B5EF4-FFF2-40B4-BE49-F238E27FC236}">
-                <a16:creationId xmlns:a16="http://schemas.microsoft.com/office/drawing/2014/main" id="{91C18088-98B2-C072-4064-CFE0C745E093}"/>
+                <a16:creationId xmlns:a16="http://schemas.microsoft.com/office/drawing/2014/main" xmlns="" id="{91C18088-98B2-C072-4064-CFE0C745E093}"/>
               </a:ext>
             </a:extLst>
           </p:cNvPr>
@@ -2882,7 +2892,7 @@
           <p:cNvPr id="2" name="Title 1">
             <a:extLst>
               <a:ext uri="{FF2B5EF4-FFF2-40B4-BE49-F238E27FC236}">
-                <a16:creationId xmlns:a16="http://schemas.microsoft.com/office/drawing/2014/main" id="{FD0F2C8E-15F7-460F-A353-5CAC67B77FFE}"/>
+                <a16:creationId xmlns:a16="http://schemas.microsoft.com/office/drawing/2014/main" xmlns="" id="{FD0F2C8E-15F7-460F-A353-5CAC67B77FFE}"/>
               </a:ext>
             </a:extLst>
           </p:cNvPr>
@@ -2952,7 +2962,7 @@
           <p:cNvPr id="2" name="Title 1">
             <a:extLst>
               <a:ext uri="{FF2B5EF4-FFF2-40B4-BE49-F238E27FC236}">
-                <a16:creationId xmlns:a16="http://schemas.microsoft.com/office/drawing/2014/main" id="{3F97A1E5-C9F9-423E-8198-8C81F762A5D1}"/>
+                <a16:creationId xmlns:a16="http://schemas.microsoft.com/office/drawing/2014/main" xmlns="" id="{3F97A1E5-C9F9-423E-8198-8C81F762A5D1}"/>
               </a:ext>
             </a:extLst>
           </p:cNvPr>
@@ -2981,7 +2991,7 @@
           <p:cNvPr id="3" name="Text Placeholder 2">
             <a:extLst>
               <a:ext uri="{FF2B5EF4-FFF2-40B4-BE49-F238E27FC236}">
-                <a16:creationId xmlns:a16="http://schemas.microsoft.com/office/drawing/2014/main" id="{E49B50CA-A0E3-41BA-935E-07FDF21D578C}"/>
+                <a16:creationId xmlns:a16="http://schemas.microsoft.com/office/drawing/2014/main" xmlns="" id="{E49B50CA-A0E3-41BA-935E-07FDF21D578C}"/>
               </a:ext>
             </a:extLst>
           </p:cNvPr>
@@ -3225,7 +3235,7 @@
           <p:cNvPr id="2" name="Title 1">
             <a:extLst>
               <a:ext uri="{FF2B5EF4-FFF2-40B4-BE49-F238E27FC236}">
-                <a16:creationId xmlns:a16="http://schemas.microsoft.com/office/drawing/2014/main" id="{3F97A1E5-C9F9-423E-8198-8C81F762A5D1}"/>
+                <a16:creationId xmlns:a16="http://schemas.microsoft.com/office/drawing/2014/main" xmlns="" id="{3F97A1E5-C9F9-423E-8198-8C81F762A5D1}"/>
               </a:ext>
             </a:extLst>
           </p:cNvPr>
@@ -3270,7 +3280,7 @@
           <p:cNvPr id="3" name="Text Placeholder 2">
             <a:extLst>
               <a:ext uri="{FF2B5EF4-FFF2-40B4-BE49-F238E27FC236}">
-                <a16:creationId xmlns:a16="http://schemas.microsoft.com/office/drawing/2014/main" id="{E49B50CA-A0E3-41BA-935E-07FDF21D578C}"/>
+                <a16:creationId xmlns:a16="http://schemas.microsoft.com/office/drawing/2014/main" xmlns="" id="{E49B50CA-A0E3-41BA-935E-07FDF21D578C}"/>
               </a:ext>
             </a:extLst>
           </p:cNvPr>
@@ -3536,7 +3546,7 @@
           <p:cNvPr id="2" name="Title 1">
             <a:extLst>
               <a:ext uri="{FF2B5EF4-FFF2-40B4-BE49-F238E27FC236}">
-                <a16:creationId xmlns:a16="http://schemas.microsoft.com/office/drawing/2014/main" id="{3F97A1E5-C9F9-423E-8198-8C81F762A5D1}"/>
+                <a16:creationId xmlns:a16="http://schemas.microsoft.com/office/drawing/2014/main" xmlns="" id="{3F97A1E5-C9F9-423E-8198-8C81F762A5D1}"/>
               </a:ext>
             </a:extLst>
           </p:cNvPr>
@@ -3581,7 +3591,7 @@
           <p:cNvPr id="3" name="Text Placeholder 2">
             <a:extLst>
               <a:ext uri="{FF2B5EF4-FFF2-40B4-BE49-F238E27FC236}">
-                <a16:creationId xmlns:a16="http://schemas.microsoft.com/office/drawing/2014/main" id="{E49B50CA-A0E3-41BA-935E-07FDF21D578C}"/>
+                <a16:creationId xmlns:a16="http://schemas.microsoft.com/office/drawing/2014/main" xmlns="" id="{E49B50CA-A0E3-41BA-935E-07FDF21D578C}"/>
               </a:ext>
             </a:extLst>
           </p:cNvPr>
@@ -3915,7 +3925,7 @@
           <p:cNvPr id="2" name="Title 1">
             <a:extLst>
               <a:ext uri="{FF2B5EF4-FFF2-40B4-BE49-F238E27FC236}">
-                <a16:creationId xmlns:a16="http://schemas.microsoft.com/office/drawing/2014/main" id="{3F97A1E5-C9F9-423E-8198-8C81F762A5D1}"/>
+                <a16:creationId xmlns:a16="http://schemas.microsoft.com/office/drawing/2014/main" xmlns="" id="{3F97A1E5-C9F9-423E-8198-8C81F762A5D1}"/>
               </a:ext>
             </a:extLst>
           </p:cNvPr>
@@ -3947,7 +3957,7 @@
           <p:cNvPr id="3" name="Text Placeholder 2">
             <a:extLst>
               <a:ext uri="{FF2B5EF4-FFF2-40B4-BE49-F238E27FC236}">
-                <a16:creationId xmlns:a16="http://schemas.microsoft.com/office/drawing/2014/main" id="{E49B50CA-A0E3-41BA-935E-07FDF21D578C}"/>
+                <a16:creationId xmlns:a16="http://schemas.microsoft.com/office/drawing/2014/main" xmlns="" id="{E49B50CA-A0E3-41BA-935E-07FDF21D578C}"/>
               </a:ext>
             </a:extLst>
           </p:cNvPr>
@@ -4267,7 +4277,7 @@
           <p:cNvPr id="2" name="Title 1">
             <a:extLst>
               <a:ext uri="{FF2B5EF4-FFF2-40B4-BE49-F238E27FC236}">
-                <a16:creationId xmlns:a16="http://schemas.microsoft.com/office/drawing/2014/main" id="{3F97A1E5-C9F9-423E-8198-8C81F762A5D1}"/>
+                <a16:creationId xmlns:a16="http://schemas.microsoft.com/office/drawing/2014/main" xmlns="" id="{3F97A1E5-C9F9-423E-8198-8C81F762A5D1}"/>
               </a:ext>
             </a:extLst>
           </p:cNvPr>
@@ -4299,7 +4309,7 @@
           <p:cNvPr id="3" name="Text Placeholder 2">
             <a:extLst>
               <a:ext uri="{FF2B5EF4-FFF2-40B4-BE49-F238E27FC236}">
-                <a16:creationId xmlns:a16="http://schemas.microsoft.com/office/drawing/2014/main" id="{E49B50CA-A0E3-41BA-935E-07FDF21D578C}"/>
+                <a16:creationId xmlns:a16="http://schemas.microsoft.com/office/drawing/2014/main" xmlns="" id="{E49B50CA-A0E3-41BA-935E-07FDF21D578C}"/>
               </a:ext>
             </a:extLst>
           </p:cNvPr>
@@ -4625,7 +4635,7 @@
           <p:cNvPr id="2" name="Title 1">
             <a:extLst>
               <a:ext uri="{FF2B5EF4-FFF2-40B4-BE49-F238E27FC236}">
-                <a16:creationId xmlns:a16="http://schemas.microsoft.com/office/drawing/2014/main" id="{C45ED5A2-251F-8E47-16B9-30AFF1FCE19B}"/>
+                <a16:creationId xmlns:a16="http://schemas.microsoft.com/office/drawing/2014/main" xmlns="" id="{C45ED5A2-251F-8E47-16B9-30AFF1FCE19B}"/>
               </a:ext>
             </a:extLst>
           </p:cNvPr>
@@ -4658,7 +4668,7 @@
           <p:cNvPr id="3" name="Text Placeholder 2">
             <a:extLst>
               <a:ext uri="{FF2B5EF4-FFF2-40B4-BE49-F238E27FC236}">
-                <a16:creationId xmlns:a16="http://schemas.microsoft.com/office/drawing/2014/main" id="{1320B267-1753-C0A9-7F21-5FE18AFDACC1}"/>
+                <a16:creationId xmlns:a16="http://schemas.microsoft.com/office/drawing/2014/main" xmlns="" id="{1320B267-1753-C0A9-7F21-5FE18AFDACC1}"/>
               </a:ext>
             </a:extLst>
           </p:cNvPr>
@@ -4694,8 +4704,16 @@
               <a:t>): </a:t>
             </a:r>
             <a:r>
+              <a:rPr lang="ko-KR" altLang="en-US" u="sng" dirty="0" smtClean="0"/>
+              <a:t>공통</a:t>
+            </a:r>
+            <a:r>
+              <a:rPr lang="ko-KR" altLang="en-US" u="sng" dirty="0" smtClean="0"/>
+              <a:t> </a:t>
+            </a:r>
+            <a:r>
               <a:rPr lang="ko-KR" altLang="en-US" u="sng" dirty="0"/>
-              <a:t>개별 셸이 우선</a:t>
+              <a:t>셸이 우선</a:t>
             </a:r>
             <a:r>
               <a:rPr lang="ko-KR" altLang="en-US" dirty="0"/>
@@ -4745,9 +4763,14 @@
               <a:t>csh.cshrc</a:t>
             </a:r>
             <a:r>
-              <a:rPr lang="en-US" altLang="ko-KR" dirty="0"/>
-              <a:t>)</a:t>
-            </a:r>
+              <a:rPr lang="en-US" altLang="ko-KR" dirty="0" smtClean="0"/>
+              <a:t>): </a:t>
+            </a:r>
+            <a:r>
+              <a:rPr lang="ko-KR" altLang="en-US" smtClean="0"/>
+              <a:t>가장 우선적용</a:t>
+            </a:r>
+            <a:endParaRPr lang="en-US" altLang="ko-KR" dirty="0"/>
           </a:p>
           <a:p>
             <a:pPr marL="857250" lvl="1" indent="-457200">
@@ -4813,12 +4836,8 @@
               <a:t>cshrc</a:t>
             </a:r>
             <a:r>
-              <a:rPr lang="en-US" altLang="ko-KR" dirty="0"/>
-              <a:t>): </a:t>
-            </a:r>
-            <a:r>
-              <a:rPr lang="ko-KR" altLang="en-US" dirty="0"/>
-              <a:t>가장 우선 적용</a:t>
+              <a:rPr lang="en-US" altLang="ko-KR" dirty="0" smtClean="0"/>
+              <a:t>)</a:t>
             </a:r>
             <a:endParaRPr lang="en-US" altLang="ko-KR" dirty="0"/>
           </a:p>
@@ -5030,7 +5049,7 @@
           <p:cNvPr id="2" name="Title 1">
             <a:extLst>
               <a:ext uri="{FF2B5EF4-FFF2-40B4-BE49-F238E27FC236}">
-                <a16:creationId xmlns:a16="http://schemas.microsoft.com/office/drawing/2014/main" id="{3F97A1E5-C9F9-423E-8198-8C81F762A5D1}"/>
+                <a16:creationId xmlns:a16="http://schemas.microsoft.com/office/drawing/2014/main" xmlns="" id="{3F97A1E5-C9F9-423E-8198-8C81F762A5D1}"/>
               </a:ext>
             </a:extLst>
           </p:cNvPr>
@@ -5062,7 +5081,7 @@
           <p:cNvPr id="3" name="Text Placeholder 2">
             <a:extLst>
               <a:ext uri="{FF2B5EF4-FFF2-40B4-BE49-F238E27FC236}">
-                <a16:creationId xmlns:a16="http://schemas.microsoft.com/office/drawing/2014/main" id="{E49B50CA-A0E3-41BA-935E-07FDF21D578C}"/>
+                <a16:creationId xmlns:a16="http://schemas.microsoft.com/office/drawing/2014/main" xmlns="" id="{E49B50CA-A0E3-41BA-935E-07FDF21D578C}"/>
               </a:ext>
             </a:extLst>
           </p:cNvPr>
